--- a/Slides/21. Operadores Lógicos.pptx
+++ b/Slides/21. Operadores Lógicos.pptx
@@ -152,7 +152,7 @@
 <file path=ppt/revisionInfo.xml><?xml version="1.0" encoding="utf-8"?>
 <p1510:revInfo xmlns:a="http://schemas.openxmlformats.org/drawingml/2006/main" xmlns:r="http://schemas.openxmlformats.org/officeDocument/2006/relationships" xmlns:p1510="http://schemas.microsoft.com/office/powerpoint/2015/10/main">
   <p1510:revLst>
-    <p1510:client id="{CE1B417B-EB5C-47AA-87E6-F6A348F8258D}" v="21" dt="2019-12-16T17:42:45.885"/>
+    <p1510:client id="{6A128AFC-3D7A-43C7-86DD-A99EFCAB51A1}" v="11" dt="2021-05-16T00:38:26.041"/>
   </p1510:revLst>
 </p1510:revInfo>
 </file>
@@ -269,10 +269,428 @@
     </pc:docChg>
   </pc:docChgLst>
   <pc:docChgLst>
-    <pc:chgData name="Judson Santiago" userId="ebb108da2f256286" providerId="LiveId" clId="{F911F2CE-90C9-4A65-97FA-726FE418CDDC}"/>
-  </pc:docChgLst>
-  <pc:docChgLst>
-    <pc:chgData name="Judson Santiago" userId="ebb108da2f256286" providerId="LiveId" clId="{6B3DC864-73BD-4E26-863E-0D02B7E0EB63}"/>
+    <pc:chgData name="Judson Santiago" userId="ebb108da2f256286" providerId="LiveId" clId="{6A128AFC-3D7A-43C7-86DD-A99EFCAB51A1}"/>
+    <pc:docChg chg="undo custSel modSld modMainMaster">
+      <pc:chgData name="Judson Santiago" userId="ebb108da2f256286" providerId="LiveId" clId="{6A128AFC-3D7A-43C7-86DD-A99EFCAB51A1}" dt="2021-05-16T00:54:38.008" v="458" actId="20577"/>
+      <pc:docMkLst>
+        <pc:docMk/>
+      </pc:docMkLst>
+      <pc:sldChg chg="modNotesTx">
+        <pc:chgData name="Judson Santiago" userId="ebb108da2f256286" providerId="LiveId" clId="{6A128AFC-3D7A-43C7-86DD-A99EFCAB51A1}" dt="2021-05-16T00:54:38.008" v="458" actId="20577"/>
+        <pc:sldMkLst>
+          <pc:docMk/>
+          <pc:sldMk cId="0" sldId="256"/>
+        </pc:sldMkLst>
+      </pc:sldChg>
+      <pc:sldChg chg="modSp mod">
+        <pc:chgData name="Judson Santiago" userId="ebb108da2f256286" providerId="LiveId" clId="{6A128AFC-3D7A-43C7-86DD-A99EFCAB51A1}" dt="2021-05-15T22:11:29.320" v="5" actId="20577"/>
+        <pc:sldMkLst>
+          <pc:docMk/>
+          <pc:sldMk cId="0" sldId="276"/>
+        </pc:sldMkLst>
+        <pc:spChg chg="mod">
+          <ac:chgData name="Judson Santiago" userId="ebb108da2f256286" providerId="LiveId" clId="{6A128AFC-3D7A-43C7-86DD-A99EFCAB51A1}" dt="2021-05-15T22:11:29.320" v="5" actId="20577"/>
+          <ac:spMkLst>
+            <pc:docMk/>
+            <pc:sldMk cId="0" sldId="276"/>
+            <ac:spMk id="3" creationId="{00000000-0000-0000-0000-000000000000}"/>
+          </ac:spMkLst>
+        </pc:spChg>
+      </pc:sldChg>
+      <pc:sldChg chg="modSp mod">
+        <pc:chgData name="Judson Santiago" userId="ebb108da2f256286" providerId="LiveId" clId="{6A128AFC-3D7A-43C7-86DD-A99EFCAB51A1}" dt="2021-05-15T23:35:51.795" v="29" actId="20577"/>
+        <pc:sldMkLst>
+          <pc:docMk/>
+          <pc:sldMk cId="0" sldId="278"/>
+        </pc:sldMkLst>
+        <pc:spChg chg="mod">
+          <ac:chgData name="Judson Santiago" userId="ebb108da2f256286" providerId="LiveId" clId="{6A128AFC-3D7A-43C7-86DD-A99EFCAB51A1}" dt="2021-05-15T23:35:51.795" v="29" actId="20577"/>
+          <ac:spMkLst>
+            <pc:docMk/>
+            <pc:sldMk cId="0" sldId="278"/>
+            <ac:spMk id="3" creationId="{00000000-0000-0000-0000-000000000000}"/>
+          </ac:spMkLst>
+        </pc:spChg>
+        <pc:spChg chg="mod">
+          <ac:chgData name="Judson Santiago" userId="ebb108da2f256286" providerId="LiveId" clId="{6A128AFC-3D7A-43C7-86DD-A99EFCAB51A1}" dt="2021-05-15T22:12:41.939" v="9" actId="20577"/>
+          <ac:spMkLst>
+            <pc:docMk/>
+            <pc:sldMk cId="0" sldId="278"/>
+            <ac:spMk id="5" creationId="{00000000-0000-0000-0000-000000000000}"/>
+          </ac:spMkLst>
+        </pc:spChg>
+      </pc:sldChg>
+      <pc:sldChg chg="addSp modSp mod">
+        <pc:chgData name="Judson Santiago" userId="ebb108da2f256286" providerId="LiveId" clId="{6A128AFC-3D7A-43C7-86DD-A99EFCAB51A1}" dt="2021-05-15T22:19:54.960" v="20" actId="20577"/>
+        <pc:sldMkLst>
+          <pc:docMk/>
+          <pc:sldMk cId="0" sldId="279"/>
+        </pc:sldMkLst>
+        <pc:spChg chg="add mod">
+          <ac:chgData name="Judson Santiago" userId="ebb108da2f256286" providerId="LiveId" clId="{6A128AFC-3D7A-43C7-86DD-A99EFCAB51A1}" dt="2021-05-15T22:19:54.960" v="20" actId="20577"/>
+          <ac:spMkLst>
+            <pc:docMk/>
+            <pc:sldMk cId="0" sldId="279"/>
+            <ac:spMk id="5" creationId="{393F1CAE-2882-40A0-B1A5-133C80274254}"/>
+          </ac:spMkLst>
+        </pc:spChg>
+      </pc:sldChg>
+      <pc:sldChg chg="modSp mod">
+        <pc:chgData name="Judson Santiago" userId="ebb108da2f256286" providerId="LiveId" clId="{6A128AFC-3D7A-43C7-86DD-A99EFCAB51A1}" dt="2021-05-15T23:34:56.155" v="25" actId="20577"/>
+        <pc:sldMkLst>
+          <pc:docMk/>
+          <pc:sldMk cId="0" sldId="283"/>
+        </pc:sldMkLst>
+        <pc:spChg chg="mod">
+          <ac:chgData name="Judson Santiago" userId="ebb108da2f256286" providerId="LiveId" clId="{6A128AFC-3D7A-43C7-86DD-A99EFCAB51A1}" dt="2021-05-15T23:34:56.155" v="25" actId="20577"/>
+          <ac:spMkLst>
+            <pc:docMk/>
+            <pc:sldMk cId="0" sldId="283"/>
+            <ac:spMk id="3" creationId="{00000000-0000-0000-0000-000000000000}"/>
+          </ac:spMkLst>
+        </pc:spChg>
+      </pc:sldChg>
+      <pc:sldChg chg="modSp mod">
+        <pc:chgData name="Judson Santiago" userId="ebb108da2f256286" providerId="LiveId" clId="{6A128AFC-3D7A-43C7-86DD-A99EFCAB51A1}" dt="2021-05-15T23:35:47.539" v="28" actId="20577"/>
+        <pc:sldMkLst>
+          <pc:docMk/>
+          <pc:sldMk cId="0" sldId="284"/>
+        </pc:sldMkLst>
+        <pc:spChg chg="mod">
+          <ac:chgData name="Judson Santiago" userId="ebb108da2f256286" providerId="LiveId" clId="{6A128AFC-3D7A-43C7-86DD-A99EFCAB51A1}" dt="2021-05-15T23:35:47.539" v="28" actId="20577"/>
+          <ac:spMkLst>
+            <pc:docMk/>
+            <pc:sldMk cId="0" sldId="284"/>
+            <ac:spMk id="3" creationId="{00000000-0000-0000-0000-000000000000}"/>
+          </ac:spMkLst>
+        </pc:spChg>
+      </pc:sldChg>
+      <pc:sldChg chg="addSp delSp modSp mod">
+        <pc:chgData name="Judson Santiago" userId="ebb108da2f256286" providerId="LiveId" clId="{6A128AFC-3D7A-43C7-86DD-A99EFCAB51A1}" dt="2021-05-15T23:59:21.465" v="76" actId="20577"/>
+        <pc:sldMkLst>
+          <pc:docMk/>
+          <pc:sldMk cId="0" sldId="285"/>
+        </pc:sldMkLst>
+        <pc:spChg chg="mod">
+          <ac:chgData name="Judson Santiago" userId="ebb108da2f256286" providerId="LiveId" clId="{6A128AFC-3D7A-43C7-86DD-A99EFCAB51A1}" dt="2021-05-15T23:59:21.465" v="76" actId="20577"/>
+          <ac:spMkLst>
+            <pc:docMk/>
+            <pc:sldMk cId="0" sldId="285"/>
+            <ac:spMk id="4" creationId="{00000000-0000-0000-0000-000000000000}"/>
+          </ac:spMkLst>
+        </pc:spChg>
+        <pc:spChg chg="mod">
+          <ac:chgData name="Judson Santiago" userId="ebb108da2f256286" providerId="LiveId" clId="{6A128AFC-3D7A-43C7-86DD-A99EFCAB51A1}" dt="2021-05-15T23:57:51.331" v="57" actId="1076"/>
+          <ac:spMkLst>
+            <pc:docMk/>
+            <pc:sldMk cId="0" sldId="285"/>
+            <ac:spMk id="5" creationId="{00000000-0000-0000-0000-000000000000}"/>
+          </ac:spMkLst>
+        </pc:spChg>
+        <pc:spChg chg="add mod">
+          <ac:chgData name="Judson Santiago" userId="ebb108da2f256286" providerId="LiveId" clId="{6A128AFC-3D7A-43C7-86DD-A99EFCAB51A1}" dt="2021-05-15T23:36:18.619" v="37" actId="20577"/>
+          <ac:spMkLst>
+            <pc:docMk/>
+            <pc:sldMk cId="0" sldId="285"/>
+            <ac:spMk id="9" creationId="{AE353952-8A22-42B5-9113-057FAE86B917}"/>
+          </ac:spMkLst>
+        </pc:spChg>
+        <pc:grpChg chg="del">
+          <ac:chgData name="Judson Santiago" userId="ebb108da2f256286" providerId="LiveId" clId="{6A128AFC-3D7A-43C7-86DD-A99EFCAB51A1}" dt="2021-05-15T23:57:03.497" v="39" actId="478"/>
+          <ac:grpSpMkLst>
+            <pc:docMk/>
+            <pc:sldMk cId="0" sldId="285"/>
+            <ac:grpSpMk id="6" creationId="{00000000-0000-0000-0000-000000000000}"/>
+          </ac:grpSpMkLst>
+        </pc:grpChg>
+      </pc:sldChg>
+      <pc:sldChg chg="modSp mod">
+        <pc:chgData name="Judson Santiago" userId="ebb108da2f256286" providerId="LiveId" clId="{6A128AFC-3D7A-43C7-86DD-A99EFCAB51A1}" dt="2021-05-16T00:03:30.146" v="98" actId="27636"/>
+        <pc:sldMkLst>
+          <pc:docMk/>
+          <pc:sldMk cId="0" sldId="286"/>
+        </pc:sldMkLst>
+        <pc:spChg chg="mod">
+          <ac:chgData name="Judson Santiago" userId="ebb108da2f256286" providerId="LiveId" clId="{6A128AFC-3D7A-43C7-86DD-A99EFCAB51A1}" dt="2021-05-16T00:03:30.146" v="98" actId="27636"/>
+          <ac:spMkLst>
+            <pc:docMk/>
+            <pc:sldMk cId="0" sldId="286"/>
+            <ac:spMk id="3" creationId="{00000000-0000-0000-0000-000000000000}"/>
+          </ac:spMkLst>
+        </pc:spChg>
+        <pc:spChg chg="mod">
+          <ac:chgData name="Judson Santiago" userId="ebb108da2f256286" providerId="LiveId" clId="{6A128AFC-3D7A-43C7-86DD-A99EFCAB51A1}" dt="2021-05-16T00:02:29.350" v="88" actId="207"/>
+          <ac:spMkLst>
+            <pc:docMk/>
+            <pc:sldMk cId="0" sldId="286"/>
+            <ac:spMk id="4" creationId="{00000000-0000-0000-0000-000000000000}"/>
+          </ac:spMkLst>
+        </pc:spChg>
+      </pc:sldChg>
+      <pc:sldChg chg="addSp modSp mod">
+        <pc:chgData name="Judson Santiago" userId="ebb108da2f256286" providerId="LiveId" clId="{6A128AFC-3D7A-43C7-86DD-A99EFCAB51A1}" dt="2021-05-16T00:00:31.232" v="82" actId="20577"/>
+        <pc:sldMkLst>
+          <pc:docMk/>
+          <pc:sldMk cId="0" sldId="287"/>
+        </pc:sldMkLst>
+        <pc:spChg chg="mod">
+          <ac:chgData name="Judson Santiago" userId="ebb108da2f256286" providerId="LiveId" clId="{6A128AFC-3D7A-43C7-86DD-A99EFCAB51A1}" dt="2021-05-16T00:00:31.232" v="82" actId="20577"/>
+          <ac:spMkLst>
+            <pc:docMk/>
+            <pc:sldMk cId="0" sldId="287"/>
+            <ac:spMk id="4" creationId="{00000000-0000-0000-0000-000000000000}"/>
+          </ac:spMkLst>
+        </pc:spChg>
+        <pc:spChg chg="add mod">
+          <ac:chgData name="Judson Santiago" userId="ebb108da2f256286" providerId="LiveId" clId="{6A128AFC-3D7A-43C7-86DD-A99EFCAB51A1}" dt="2021-05-15T23:56:29.624" v="38"/>
+          <ac:spMkLst>
+            <pc:docMk/>
+            <pc:sldMk cId="0" sldId="287"/>
+            <ac:spMk id="8" creationId="{6066029C-AAF6-4424-9A31-8390D40D8416}"/>
+          </ac:spMkLst>
+        </pc:spChg>
+      </pc:sldChg>
+      <pc:sldChg chg="addSp modSp mod">
+        <pc:chgData name="Judson Santiago" userId="ebb108da2f256286" providerId="LiveId" clId="{6A128AFC-3D7A-43C7-86DD-A99EFCAB51A1}" dt="2021-05-16T00:05:00.018" v="133" actId="6549"/>
+        <pc:sldMkLst>
+          <pc:docMk/>
+          <pc:sldMk cId="0" sldId="288"/>
+        </pc:sldMkLst>
+        <pc:spChg chg="mod">
+          <ac:chgData name="Judson Santiago" userId="ebb108da2f256286" providerId="LiveId" clId="{6A128AFC-3D7A-43C7-86DD-A99EFCAB51A1}" dt="2021-05-16T00:05:00.018" v="133" actId="6549"/>
+          <ac:spMkLst>
+            <pc:docMk/>
+            <pc:sldMk cId="0" sldId="288"/>
+            <ac:spMk id="4" creationId="{00000000-0000-0000-0000-000000000000}"/>
+          </ac:spMkLst>
+        </pc:spChg>
+        <pc:spChg chg="add mod">
+          <ac:chgData name="Judson Santiago" userId="ebb108da2f256286" providerId="LiveId" clId="{6A128AFC-3D7A-43C7-86DD-A99EFCAB51A1}" dt="2021-05-16T00:04:22.567" v="131" actId="20577"/>
+          <ac:spMkLst>
+            <pc:docMk/>
+            <pc:sldMk cId="0" sldId="288"/>
+            <ac:spMk id="5" creationId="{6A1D60EC-68A1-4D2A-A559-B31B40CD656E}"/>
+          </ac:spMkLst>
+        </pc:spChg>
+      </pc:sldChg>
+      <pc:sldChg chg="modSp mod">
+        <pc:chgData name="Judson Santiago" userId="ebb108da2f256286" providerId="LiveId" clId="{6A128AFC-3D7A-43C7-86DD-A99EFCAB51A1}" dt="2021-05-16T00:05:54.935" v="140" actId="20577"/>
+        <pc:sldMkLst>
+          <pc:docMk/>
+          <pc:sldMk cId="0" sldId="289"/>
+        </pc:sldMkLst>
+        <pc:spChg chg="mod">
+          <ac:chgData name="Judson Santiago" userId="ebb108da2f256286" providerId="LiveId" clId="{6A128AFC-3D7A-43C7-86DD-A99EFCAB51A1}" dt="2021-05-16T00:05:28.104" v="136" actId="20577"/>
+          <ac:spMkLst>
+            <pc:docMk/>
+            <pc:sldMk cId="0" sldId="289"/>
+            <ac:spMk id="3" creationId="{00000000-0000-0000-0000-000000000000}"/>
+          </ac:spMkLst>
+        </pc:spChg>
+        <pc:spChg chg="mod">
+          <ac:chgData name="Judson Santiago" userId="ebb108da2f256286" providerId="LiveId" clId="{6A128AFC-3D7A-43C7-86DD-A99EFCAB51A1}" dt="2021-05-16T00:05:14.530" v="134" actId="207"/>
+          <ac:spMkLst>
+            <pc:docMk/>
+            <pc:sldMk cId="0" sldId="289"/>
+            <ac:spMk id="4" creationId="{00000000-0000-0000-0000-000000000000}"/>
+          </ac:spMkLst>
+        </pc:spChg>
+        <pc:spChg chg="mod">
+          <ac:chgData name="Judson Santiago" userId="ebb108da2f256286" providerId="LiveId" clId="{6A128AFC-3D7A-43C7-86DD-A99EFCAB51A1}" dt="2021-05-16T00:05:54.935" v="140" actId="20577"/>
+          <ac:spMkLst>
+            <pc:docMk/>
+            <pc:sldMk cId="0" sldId="289"/>
+            <ac:spMk id="5" creationId="{00000000-0000-0000-0000-000000000000}"/>
+          </ac:spMkLst>
+        </pc:spChg>
+      </pc:sldChg>
+      <pc:sldChg chg="modSp mod">
+        <pc:chgData name="Judson Santiago" userId="ebb108da2f256286" providerId="LiveId" clId="{6A128AFC-3D7A-43C7-86DD-A99EFCAB51A1}" dt="2021-05-16T00:36:47.143" v="237" actId="20577"/>
+        <pc:sldMkLst>
+          <pc:docMk/>
+          <pc:sldMk cId="0" sldId="291"/>
+        </pc:sldMkLst>
+        <pc:spChg chg="mod">
+          <ac:chgData name="Judson Santiago" userId="ebb108da2f256286" providerId="LiveId" clId="{6A128AFC-3D7A-43C7-86DD-A99EFCAB51A1}" dt="2021-05-16T00:36:47.143" v="237" actId="20577"/>
+          <ac:spMkLst>
+            <pc:docMk/>
+            <pc:sldMk cId="0" sldId="291"/>
+            <ac:spMk id="3" creationId="{00000000-0000-0000-0000-000000000000}"/>
+          </ac:spMkLst>
+        </pc:spChg>
+        <pc:spChg chg="mod">
+          <ac:chgData name="Judson Santiago" userId="ebb108da2f256286" providerId="LiveId" clId="{6A128AFC-3D7A-43C7-86DD-A99EFCAB51A1}" dt="2021-05-16T00:36:28.921" v="228" actId="1076"/>
+          <ac:spMkLst>
+            <pc:docMk/>
+            <pc:sldMk cId="0" sldId="291"/>
+            <ac:spMk id="4" creationId="{00000000-0000-0000-0000-000000000000}"/>
+          </ac:spMkLst>
+        </pc:spChg>
+        <pc:spChg chg="mod">
+          <ac:chgData name="Judson Santiago" userId="ebb108da2f256286" providerId="LiveId" clId="{6A128AFC-3D7A-43C7-86DD-A99EFCAB51A1}" dt="2021-05-16T00:36:33.377" v="229" actId="1076"/>
+          <ac:spMkLst>
+            <pc:docMk/>
+            <pc:sldMk cId="0" sldId="291"/>
+            <ac:spMk id="5" creationId="{00000000-0000-0000-0000-000000000000}"/>
+          </ac:spMkLst>
+        </pc:spChg>
+      </pc:sldChg>
+      <pc:sldChg chg="addSp modSp mod">
+        <pc:chgData name="Judson Santiago" userId="ebb108da2f256286" providerId="LiveId" clId="{6A128AFC-3D7A-43C7-86DD-A99EFCAB51A1}" dt="2021-05-16T00:38:16.933" v="259" actId="20577"/>
+        <pc:sldMkLst>
+          <pc:docMk/>
+          <pc:sldMk cId="0" sldId="292"/>
+        </pc:sldMkLst>
+        <pc:spChg chg="add mod">
+          <ac:chgData name="Judson Santiago" userId="ebb108da2f256286" providerId="LiveId" clId="{6A128AFC-3D7A-43C7-86DD-A99EFCAB51A1}" dt="2021-05-16T00:38:16.933" v="259" actId="20577"/>
+          <ac:spMkLst>
+            <pc:docMk/>
+            <pc:sldMk cId="0" sldId="292"/>
+            <ac:spMk id="5" creationId="{3F1BC856-89DF-4C74-AE5E-1043C519961D}"/>
+          </ac:spMkLst>
+        </pc:spChg>
+      </pc:sldChg>
+      <pc:sldChg chg="addSp modSp mod">
+        <pc:chgData name="Judson Santiago" userId="ebb108da2f256286" providerId="LiveId" clId="{6A128AFC-3D7A-43C7-86DD-A99EFCAB51A1}" dt="2021-05-16T00:38:45.165" v="264" actId="207"/>
+        <pc:sldMkLst>
+          <pc:docMk/>
+          <pc:sldMk cId="0" sldId="294"/>
+        </pc:sldMkLst>
+        <pc:spChg chg="mod">
+          <ac:chgData name="Judson Santiago" userId="ebb108da2f256286" providerId="LiveId" clId="{6A128AFC-3D7A-43C7-86DD-A99EFCAB51A1}" dt="2021-05-16T00:38:45.165" v="264" actId="207"/>
+          <ac:spMkLst>
+            <pc:docMk/>
+            <pc:sldMk cId="0" sldId="294"/>
+            <ac:spMk id="5" creationId="{00000000-0000-0000-0000-000000000000}"/>
+          </ac:spMkLst>
+        </pc:spChg>
+        <pc:spChg chg="add mod">
+          <ac:chgData name="Judson Santiago" userId="ebb108da2f256286" providerId="LiveId" clId="{6A128AFC-3D7A-43C7-86DD-A99EFCAB51A1}" dt="2021-05-16T00:38:26.041" v="260"/>
+          <ac:spMkLst>
+            <pc:docMk/>
+            <pc:sldMk cId="0" sldId="294"/>
+            <ac:spMk id="6" creationId="{80E4335A-4945-48F4-84AA-1872DC5A2DA9}"/>
+          </ac:spMkLst>
+        </pc:spChg>
+      </pc:sldChg>
+      <pc:sldChg chg="modSp mod">
+        <pc:chgData name="Judson Santiago" userId="ebb108da2f256286" providerId="LiveId" clId="{6A128AFC-3D7A-43C7-86DD-A99EFCAB51A1}" dt="2021-05-16T00:44:09.639" v="345" actId="1076"/>
+        <pc:sldMkLst>
+          <pc:docMk/>
+          <pc:sldMk cId="0" sldId="295"/>
+        </pc:sldMkLst>
+        <pc:spChg chg="mod">
+          <ac:chgData name="Judson Santiago" userId="ebb108da2f256286" providerId="LiveId" clId="{6A128AFC-3D7A-43C7-86DD-A99EFCAB51A1}" dt="2021-05-16T00:43:56.419" v="344" actId="20577"/>
+          <ac:spMkLst>
+            <pc:docMk/>
+            <pc:sldMk cId="0" sldId="295"/>
+            <ac:spMk id="3" creationId="{00000000-0000-0000-0000-000000000000}"/>
+          </ac:spMkLst>
+        </pc:spChg>
+        <pc:spChg chg="mod">
+          <ac:chgData name="Judson Santiago" userId="ebb108da2f256286" providerId="LiveId" clId="{6A128AFC-3D7A-43C7-86DD-A99EFCAB51A1}" dt="2021-05-16T00:42:22.301" v="322" actId="552"/>
+          <ac:spMkLst>
+            <pc:docMk/>
+            <pc:sldMk cId="0" sldId="295"/>
+            <ac:spMk id="4" creationId="{00000000-0000-0000-0000-000000000000}"/>
+          </ac:spMkLst>
+        </pc:spChg>
+        <pc:spChg chg="mod">
+          <ac:chgData name="Judson Santiago" userId="ebb108da2f256286" providerId="LiveId" clId="{6A128AFC-3D7A-43C7-86DD-A99EFCAB51A1}" dt="2021-05-16T00:44:09.639" v="345" actId="1076"/>
+          <ac:spMkLst>
+            <pc:docMk/>
+            <pc:sldMk cId="0" sldId="295"/>
+            <ac:spMk id="5" creationId="{00000000-0000-0000-0000-000000000000}"/>
+          </ac:spMkLst>
+        </pc:spChg>
+      </pc:sldChg>
+      <pc:sldChg chg="modSp mod">
+        <pc:chgData name="Judson Santiago" userId="ebb108da2f256286" providerId="LiveId" clId="{6A128AFC-3D7A-43C7-86DD-A99EFCAB51A1}" dt="2021-05-16T00:47:52.666" v="399" actId="20577"/>
+        <pc:sldMkLst>
+          <pc:docMk/>
+          <pc:sldMk cId="0" sldId="296"/>
+        </pc:sldMkLst>
+        <pc:spChg chg="mod">
+          <ac:chgData name="Judson Santiago" userId="ebb108da2f256286" providerId="LiveId" clId="{6A128AFC-3D7A-43C7-86DD-A99EFCAB51A1}" dt="2021-05-16T00:47:52.666" v="399" actId="20577"/>
+          <ac:spMkLst>
+            <pc:docMk/>
+            <pc:sldMk cId="0" sldId="296"/>
+            <ac:spMk id="3" creationId="{00000000-0000-0000-0000-000000000000}"/>
+          </ac:spMkLst>
+        </pc:spChg>
+        <pc:spChg chg="mod">
+          <ac:chgData name="Judson Santiago" userId="ebb108da2f256286" providerId="LiveId" clId="{6A128AFC-3D7A-43C7-86DD-A99EFCAB51A1}" dt="2021-05-16T00:47:01.443" v="392" actId="6549"/>
+          <ac:spMkLst>
+            <pc:docMk/>
+            <pc:sldMk cId="0" sldId="296"/>
+            <ac:spMk id="4" creationId="{00000000-0000-0000-0000-000000000000}"/>
+          </ac:spMkLst>
+        </pc:spChg>
+        <pc:spChg chg="mod">
+          <ac:chgData name="Judson Santiago" userId="ebb108da2f256286" providerId="LiveId" clId="{6A128AFC-3D7A-43C7-86DD-A99EFCAB51A1}" dt="2021-05-16T00:47:41.365" v="397" actId="1076"/>
+          <ac:spMkLst>
+            <pc:docMk/>
+            <pc:sldMk cId="0" sldId="296"/>
+            <ac:spMk id="5" creationId="{00000000-0000-0000-0000-000000000000}"/>
+          </ac:spMkLst>
+        </pc:spChg>
+      </pc:sldChg>
+      <pc:sldChg chg="modSp mod">
+        <pc:chgData name="Judson Santiago" userId="ebb108da2f256286" providerId="LiveId" clId="{6A128AFC-3D7A-43C7-86DD-A99EFCAB51A1}" dt="2021-05-16T00:51:14.149" v="414" actId="207"/>
+        <pc:sldMkLst>
+          <pc:docMk/>
+          <pc:sldMk cId="2812485359" sldId="329"/>
+        </pc:sldMkLst>
+        <pc:spChg chg="mod">
+          <ac:chgData name="Judson Santiago" userId="ebb108da2f256286" providerId="LiveId" clId="{6A128AFC-3D7A-43C7-86DD-A99EFCAB51A1}" dt="2021-05-16T00:50:21.604" v="409" actId="208"/>
+          <ac:spMkLst>
+            <pc:docMk/>
+            <pc:sldMk cId="2812485359" sldId="329"/>
+            <ac:spMk id="6" creationId="{970CDBDB-7190-463B-B0BF-D8D5E5E18017}"/>
+          </ac:spMkLst>
+        </pc:spChg>
+        <pc:spChg chg="mod">
+          <ac:chgData name="Judson Santiago" userId="ebb108da2f256286" providerId="LiveId" clId="{6A128AFC-3D7A-43C7-86DD-A99EFCAB51A1}" dt="2021-05-16T00:50:21.604" v="409" actId="208"/>
+          <ac:spMkLst>
+            <pc:docMk/>
+            <pc:sldMk cId="2812485359" sldId="329"/>
+            <ac:spMk id="7" creationId="{A4FEFAB4-8F80-48FA-8CFE-BA2894D5BBE9}"/>
+          </ac:spMkLst>
+        </pc:spChg>
+        <pc:graphicFrameChg chg="modGraphic">
+          <ac:chgData name="Judson Santiago" userId="ebb108da2f256286" providerId="LiveId" clId="{6A128AFC-3D7A-43C7-86DD-A99EFCAB51A1}" dt="2021-05-16T00:51:14.149" v="414" actId="207"/>
+          <ac:graphicFrameMkLst>
+            <pc:docMk/>
+            <pc:sldMk cId="2812485359" sldId="329"/>
+            <ac:graphicFrameMk id="4" creationId="{FA454142-A43C-40CB-A283-5474A06534BE}"/>
+          </ac:graphicFrameMkLst>
+        </pc:graphicFrameChg>
+      </pc:sldChg>
+      <pc:sldMasterChg chg="setBg modSldLayout">
+        <pc:chgData name="Judson Santiago" userId="ebb108da2f256286" providerId="LiveId" clId="{6A128AFC-3D7A-43C7-86DD-A99EFCAB51A1}" dt="2021-05-15T22:07:52.981" v="4"/>
+        <pc:sldMasterMkLst>
+          <pc:docMk/>
+          <pc:sldMasterMk cId="0" sldId="2147483660"/>
+        </pc:sldMasterMkLst>
+        <pc:sldLayoutChg chg="addSp modSp mod">
+          <pc:chgData name="Judson Santiago" userId="ebb108da2f256286" providerId="LiveId" clId="{6A128AFC-3D7A-43C7-86DD-A99EFCAB51A1}" dt="2021-05-15T22:07:31.071" v="1" actId="167"/>
+          <pc:sldLayoutMkLst>
+            <pc:docMk/>
+            <pc:sldMasterMk cId="0" sldId="2147483660"/>
+            <pc:sldLayoutMk cId="0" sldId="2147483661"/>
+          </pc:sldLayoutMkLst>
+          <pc:picChg chg="add mod ord">
+            <ac:chgData name="Judson Santiago" userId="ebb108da2f256286" providerId="LiveId" clId="{6A128AFC-3D7A-43C7-86DD-A99EFCAB51A1}" dt="2021-05-15T22:07:31.071" v="1" actId="167"/>
+            <ac:picMkLst>
+              <pc:docMk/>
+              <pc:sldMasterMk cId="0" sldId="2147483660"/>
+              <pc:sldLayoutMk cId="0" sldId="2147483661"/>
+              <ac:picMk id="13" creationId="{855A943A-2A8F-4164-A2F2-582FC890D51B}"/>
+            </ac:picMkLst>
+          </pc:picChg>
+        </pc:sldLayoutChg>
+      </pc:sldMasterChg>
+    </pc:docChg>
   </pc:docChgLst>
   <pc:docChgLst>
     <pc:chgData name="Judson Santiago" userId="ebb108da2f256286" providerId="LiveId" clId="{CE1B417B-EB5C-47AA-87E6-F6A348F8258D}"/>
@@ -864,7 +1282,7 @@
             <a:fld id="{E2EA7AF6-8A29-42EE-9321-4472A871EC99}" type="datetimeFigureOut">
               <a:rPr lang="pt-BR" smtClean="0"/>
               <a:pPr/>
-              <a:t>16/12/2019</a:t>
+              <a:t>15/05/2021</a:t>
             </a:fld>
             <a:endParaRPr lang="pt-BR"/>
           </a:p>
@@ -1183,24 +1601,79 @@
           <a:bodyPr/>
           <a:lstStyle/>
           <a:p>
-            <a:r>
-              <a:rPr lang="pt-BR" dirty="0"/>
-              <a:t>Objetivos:</a:t>
-            </a:r>
-          </a:p>
-          <a:p>
-            <a:r>
-              <a:rPr lang="pt-BR" dirty="0"/>
-              <a:t>- Aprender a usar os operadores lógicos em conjunto com o </a:t>
-            </a:r>
-            <a:r>
-              <a:rPr lang="pt-BR" dirty="0" err="1"/>
-              <a:t>if</a:t>
-            </a:r>
-            <a:r>
-              <a:rPr lang="pt-BR" dirty="0"/>
-              <a:t> </a:t>
-            </a:r>
+            <a:pPr marL="171450" indent="-171450">
+              <a:buFontTx/>
+              <a:buChar char="-"/>
+            </a:pPr>
+            <a:r>
+              <a:rPr lang="pt-BR" b="0" i="0" dirty="0">
+                <a:solidFill>
+                  <a:srgbClr val="000000"/>
+                </a:solidFill>
+                <a:effectLst/>
+                <a:latin typeface="Verdana" panose="020B0604030504040204" pitchFamily="34" charset="0"/>
+              </a:rPr>
+              <a:t>Operadores lógicos AND(&amp;&amp;), OR (||) e NOT (!)</a:t>
+            </a:r>
+          </a:p>
+          <a:p>
+            <a:pPr marL="171450" indent="-171450">
+              <a:buFontTx/>
+              <a:buChar char="-"/>
+            </a:pPr>
+            <a:r>
+              <a:rPr lang="pt-BR" b="0" i="0" dirty="0">
+                <a:solidFill>
+                  <a:srgbClr val="000000"/>
+                </a:solidFill>
+                <a:effectLst/>
+                <a:latin typeface="Verdana" panose="020B0604030504040204" pitchFamily="34" charset="0"/>
+              </a:rPr>
+              <a:t>Expressões lógicas complexas em instruções condicionais</a:t>
+            </a:r>
+          </a:p>
+          <a:p>
+            <a:pPr marL="171450" indent="-171450">
+              <a:buFontTx/>
+              <a:buChar char="-"/>
+            </a:pPr>
+            <a:r>
+              <a:rPr lang="pt-BR" b="0" i="0">
+                <a:solidFill>
+                  <a:srgbClr val="000000"/>
+                </a:solidFill>
+                <a:effectLst/>
+                <a:latin typeface="Verdana" panose="020B0604030504040204" pitchFamily="34" charset="0"/>
+              </a:rPr>
+              <a:t>Tratamento de </a:t>
+            </a:r>
+            <a:r>
+              <a:rPr lang="pt-BR" b="0" i="0" dirty="0">
+                <a:solidFill>
+                  <a:srgbClr val="000000"/>
+                </a:solidFill>
+                <a:effectLst/>
+                <a:latin typeface="Verdana" panose="020B0604030504040204" pitchFamily="34" charset="0"/>
+              </a:rPr>
+              <a:t>faixas de elementos</a:t>
+            </a:r>
+          </a:p>
+          <a:p>
+            <a:pPr marL="171450" indent="-171450">
+              <a:buFontTx/>
+              <a:buChar char="-"/>
+            </a:pPr>
+            <a:r>
+              <a:rPr lang="pt-BR" b="0" i="0" dirty="0">
+                <a:solidFill>
+                  <a:srgbClr val="000000"/>
+                </a:solidFill>
+                <a:effectLst/>
+                <a:latin typeface="Verdana" panose="020B0604030504040204" pitchFamily="34" charset="0"/>
+              </a:rPr>
+              <a:t>Exercícios</a:t>
+            </a:r>
+            <a:endParaRPr lang="pt-BR" dirty="0"/>
           </a:p>
         </p:txBody>
       </p:sp>
@@ -1455,104 +1928,6 @@
             <p:ph type="sldImg"/>
           </p:nvPr>
         </p:nvSpPr>
-        <p:spPr>
-          <a:xfrm>
-            <a:off x="381000" y="685800"/>
-            <a:ext cx="6096000" cy="3429000"/>
-          </a:xfrm>
-        </p:spPr>
-      </p:sp>
-      <p:sp>
-        <p:nvSpPr>
-          <p:cNvPr id="3" name="Espaço Reservado para Anotações 2"/>
-          <p:cNvSpPr>
-            <a:spLocks noGrp="1"/>
-          </p:cNvSpPr>
-          <p:nvPr>
-            <p:ph type="body" idx="1"/>
-          </p:nvPr>
-        </p:nvSpPr>
-        <p:spPr/>
-        <p:txBody>
-          <a:bodyPr/>
-          <a:lstStyle/>
-          <a:p>
-            <a:r>
-              <a:rPr lang="pt-BR" dirty="0"/>
-              <a:t>Programa mostra quantos</a:t>
-            </a:r>
-            <a:r>
-              <a:rPr lang="pt-BR" baseline="0" dirty="0"/>
-              <a:t> vizinhos são mais velhos que você.</a:t>
-            </a:r>
-            <a:endParaRPr lang="pt-BR" dirty="0"/>
-          </a:p>
-        </p:txBody>
-      </p:sp>
-      <p:sp>
-        <p:nvSpPr>
-          <p:cNvPr id="4" name="Espaço Reservado para Número de Slide 3"/>
-          <p:cNvSpPr>
-            <a:spLocks noGrp="1"/>
-          </p:cNvSpPr>
-          <p:nvPr>
-            <p:ph type="sldNum" sz="quarter" idx="10"/>
-          </p:nvPr>
-        </p:nvSpPr>
-        <p:spPr/>
-        <p:txBody>
-          <a:bodyPr/>
-          <a:lstStyle/>
-          <a:p>
-            <a:fld id="{91DC2CB7-8F13-4B93-A51E-D888BB993D76}" type="slidenum">
-              <a:rPr lang="pt-BR" smtClean="0"/>
-              <a:pPr/>
-              <a:t>12</a:t>
-            </a:fld>
-            <a:endParaRPr lang="pt-BR"/>
-          </a:p>
-        </p:txBody>
-      </p:sp>
-    </p:spTree>
-    <p:extLst>
-      <p:ext uri="{BB962C8B-B14F-4D97-AF65-F5344CB8AC3E}">
-        <p14:creationId xmlns:p14="http://schemas.microsoft.com/office/powerpoint/2010/main" val="1340542564"/>
-      </p:ext>
-    </p:extLst>
-  </p:cSld>
-  <p:clrMapOvr>
-    <a:masterClrMapping/>
-  </p:clrMapOvr>
-</p:notes>
-</file>
-
-<file path=ppt/notesSlides/notesSlide5.xml><?xml version="1.0" encoding="utf-8"?>
-<p:notes xmlns:a="http://schemas.openxmlformats.org/drawingml/2006/main" xmlns:r="http://schemas.openxmlformats.org/officeDocument/2006/relationships" xmlns:p="http://schemas.openxmlformats.org/presentationml/2006/main">
-  <p:cSld>
-    <p:spTree>
-      <p:nvGrpSpPr>
-        <p:cNvPr id="1" name=""/>
-        <p:cNvGrpSpPr/>
-        <p:nvPr/>
-      </p:nvGrpSpPr>
-      <p:grpSpPr>
-        <a:xfrm>
-          <a:off x="0" y="0"/>
-          <a:ext cx="0" cy="0"/>
-          <a:chOff x="0" y="0"/>
-          <a:chExt cx="0" cy="0"/>
-        </a:xfrm>
-      </p:grpSpPr>
-      <p:sp>
-        <p:nvSpPr>
-          <p:cNvPr id="2" name="Espaço Reservado para Imagem de Slide 1"/>
-          <p:cNvSpPr>
-            <a:spLocks noGrp="1" noRot="1" noChangeAspect="1"/>
-          </p:cNvSpPr>
-          <p:nvPr>
-            <p:ph type="sldImg"/>
-          </p:nvPr>
-        </p:nvSpPr>
         <p:spPr/>
       </p:sp>
       <p:sp>
@@ -1570,30 +1945,6 @@
           <a:bodyPr/>
           <a:lstStyle/>
           <a:p>
-            <a:r>
-              <a:rPr lang="pt-BR" sz="1200" dirty="0">
-                <a:solidFill>
-                  <a:schemeClr val="bg1"/>
-                </a:solidFill>
-              </a:rPr>
-              <a:t>»  Ilustrar </a:t>
-            </a:r>
-            <a:r>
-              <a:rPr lang="pt-BR" sz="1200" baseline="0" dirty="0">
-                <a:solidFill>
-                  <a:schemeClr val="bg1"/>
-                </a:solidFill>
-              </a:rPr>
-              <a:t>laços e condicionais </a:t>
-            </a:r>
-            <a:r>
-              <a:rPr lang="pt-BR" sz="1200" baseline="0">
-                <a:solidFill>
-                  <a:schemeClr val="bg1"/>
-                </a:solidFill>
-              </a:rPr>
-              <a:t>no depurador</a:t>
-            </a:r>
             <a:endParaRPr lang="pt-BR" dirty="0"/>
           </a:p>
         </p:txBody>
@@ -1605,7 +1956,7 @@
             <a:spLocks noGrp="1"/>
           </p:cNvSpPr>
           <p:nvPr>
-            <p:ph type="sldNum" sz="quarter" idx="10"/>
+            <p:ph type="sldNum" sz="quarter" idx="5"/>
           </p:nvPr>
         </p:nvSpPr>
         <p:spPr/>
@@ -1616,7 +1967,7 @@
             <a:fld id="{91DC2CB7-8F13-4B93-A51E-D888BB993D76}" type="slidenum">
               <a:rPr lang="pt-BR" smtClean="0"/>
               <a:pPr/>
-              <a:t>13</a:t>
+              <a:t>6</a:t>
             </a:fld>
             <a:endParaRPr lang="pt-BR"/>
           </a:p>
@@ -1625,7 +1976,7 @@
     </p:spTree>
     <p:extLst>
       <p:ext uri="{BB962C8B-B14F-4D97-AF65-F5344CB8AC3E}">
-        <p14:creationId xmlns:p14="http://schemas.microsoft.com/office/powerpoint/2010/main" val="412638051"/>
+        <p14:creationId xmlns:p14="http://schemas.microsoft.com/office/powerpoint/2010/main" val="959390898"/>
       </p:ext>
     </p:extLst>
   </p:cSld>
@@ -1635,7 +1986,7 @@
 </p:notes>
 </file>
 
-<file path=ppt/notesSlides/notesSlide6.xml><?xml version="1.0" encoding="utf-8"?>
+<file path=ppt/notesSlides/notesSlide5.xml><?xml version="1.0" encoding="utf-8"?>
 <p:notes xmlns:a="http://schemas.openxmlformats.org/drawingml/2006/main" xmlns:r="http://schemas.openxmlformats.org/officeDocument/2006/relationships" xmlns:p="http://schemas.openxmlformats.org/presentationml/2006/main">
   <p:cSld>
     <p:spTree>
@@ -1686,6 +2037,213 @@
           <a:p>
             <a:r>
               <a:rPr lang="pt-BR" dirty="0"/>
+              <a:t>Programa mostra quantos</a:t>
+            </a:r>
+            <a:r>
+              <a:rPr lang="pt-BR" baseline="0" dirty="0"/>
+              <a:t> vizinhos são mais velhos que você.</a:t>
+            </a:r>
+            <a:endParaRPr lang="pt-BR" dirty="0"/>
+          </a:p>
+        </p:txBody>
+      </p:sp>
+      <p:sp>
+        <p:nvSpPr>
+          <p:cNvPr id="4" name="Espaço Reservado para Número de Slide 3"/>
+          <p:cNvSpPr>
+            <a:spLocks noGrp="1"/>
+          </p:cNvSpPr>
+          <p:nvPr>
+            <p:ph type="sldNum" sz="quarter" idx="10"/>
+          </p:nvPr>
+        </p:nvSpPr>
+        <p:spPr/>
+        <p:txBody>
+          <a:bodyPr/>
+          <a:lstStyle/>
+          <a:p>
+            <a:fld id="{91DC2CB7-8F13-4B93-A51E-D888BB993D76}" type="slidenum">
+              <a:rPr lang="pt-BR" smtClean="0"/>
+              <a:pPr/>
+              <a:t>12</a:t>
+            </a:fld>
+            <a:endParaRPr lang="pt-BR"/>
+          </a:p>
+        </p:txBody>
+      </p:sp>
+    </p:spTree>
+    <p:extLst>
+      <p:ext uri="{BB962C8B-B14F-4D97-AF65-F5344CB8AC3E}">
+        <p14:creationId xmlns:p14="http://schemas.microsoft.com/office/powerpoint/2010/main" val="1340542564"/>
+      </p:ext>
+    </p:extLst>
+  </p:cSld>
+  <p:clrMapOvr>
+    <a:masterClrMapping/>
+  </p:clrMapOvr>
+</p:notes>
+</file>
+
+<file path=ppt/notesSlides/notesSlide6.xml><?xml version="1.0" encoding="utf-8"?>
+<p:notes xmlns:a="http://schemas.openxmlformats.org/drawingml/2006/main" xmlns:r="http://schemas.openxmlformats.org/officeDocument/2006/relationships" xmlns:p="http://schemas.openxmlformats.org/presentationml/2006/main">
+  <p:cSld>
+    <p:spTree>
+      <p:nvGrpSpPr>
+        <p:cNvPr id="1" name=""/>
+        <p:cNvGrpSpPr/>
+        <p:nvPr/>
+      </p:nvGrpSpPr>
+      <p:grpSpPr>
+        <a:xfrm>
+          <a:off x="0" y="0"/>
+          <a:ext cx="0" cy="0"/>
+          <a:chOff x="0" y="0"/>
+          <a:chExt cx="0" cy="0"/>
+        </a:xfrm>
+      </p:grpSpPr>
+      <p:sp>
+        <p:nvSpPr>
+          <p:cNvPr id="2" name="Espaço Reservado para Imagem de Slide 1"/>
+          <p:cNvSpPr>
+            <a:spLocks noGrp="1" noRot="1" noChangeAspect="1"/>
+          </p:cNvSpPr>
+          <p:nvPr>
+            <p:ph type="sldImg"/>
+          </p:nvPr>
+        </p:nvSpPr>
+        <p:spPr/>
+      </p:sp>
+      <p:sp>
+        <p:nvSpPr>
+          <p:cNvPr id="3" name="Espaço Reservado para Anotações 2"/>
+          <p:cNvSpPr>
+            <a:spLocks noGrp="1"/>
+          </p:cNvSpPr>
+          <p:nvPr>
+            <p:ph type="body" idx="1"/>
+          </p:nvPr>
+        </p:nvSpPr>
+        <p:spPr/>
+        <p:txBody>
+          <a:bodyPr/>
+          <a:lstStyle/>
+          <a:p>
+            <a:r>
+              <a:rPr lang="pt-BR" sz="1200" dirty="0">
+                <a:solidFill>
+                  <a:schemeClr val="bg1"/>
+                </a:solidFill>
+              </a:rPr>
+              <a:t>»  Ilustrar </a:t>
+            </a:r>
+            <a:r>
+              <a:rPr lang="pt-BR" sz="1200" baseline="0" dirty="0">
+                <a:solidFill>
+                  <a:schemeClr val="bg1"/>
+                </a:solidFill>
+              </a:rPr>
+              <a:t>laços e condicionais </a:t>
+            </a:r>
+            <a:r>
+              <a:rPr lang="pt-BR" sz="1200" baseline="0">
+                <a:solidFill>
+                  <a:schemeClr val="bg1"/>
+                </a:solidFill>
+              </a:rPr>
+              <a:t>no depurador</a:t>
+            </a:r>
+            <a:endParaRPr lang="pt-BR" dirty="0"/>
+          </a:p>
+        </p:txBody>
+      </p:sp>
+      <p:sp>
+        <p:nvSpPr>
+          <p:cNvPr id="4" name="Espaço Reservado para Número de Slide 3"/>
+          <p:cNvSpPr>
+            <a:spLocks noGrp="1"/>
+          </p:cNvSpPr>
+          <p:nvPr>
+            <p:ph type="sldNum" sz="quarter" idx="10"/>
+          </p:nvPr>
+        </p:nvSpPr>
+        <p:spPr/>
+        <p:txBody>
+          <a:bodyPr/>
+          <a:lstStyle/>
+          <a:p>
+            <a:fld id="{91DC2CB7-8F13-4B93-A51E-D888BB993D76}" type="slidenum">
+              <a:rPr lang="pt-BR" smtClean="0"/>
+              <a:pPr/>
+              <a:t>13</a:t>
+            </a:fld>
+            <a:endParaRPr lang="pt-BR"/>
+          </a:p>
+        </p:txBody>
+      </p:sp>
+    </p:spTree>
+    <p:extLst>
+      <p:ext uri="{BB962C8B-B14F-4D97-AF65-F5344CB8AC3E}">
+        <p14:creationId xmlns:p14="http://schemas.microsoft.com/office/powerpoint/2010/main" val="412638051"/>
+      </p:ext>
+    </p:extLst>
+  </p:cSld>
+  <p:clrMapOvr>
+    <a:masterClrMapping/>
+  </p:clrMapOvr>
+</p:notes>
+</file>
+
+<file path=ppt/notesSlides/notesSlide7.xml><?xml version="1.0" encoding="utf-8"?>
+<p:notes xmlns:a="http://schemas.openxmlformats.org/drawingml/2006/main" xmlns:r="http://schemas.openxmlformats.org/officeDocument/2006/relationships" xmlns:p="http://schemas.openxmlformats.org/presentationml/2006/main">
+  <p:cSld>
+    <p:spTree>
+      <p:nvGrpSpPr>
+        <p:cNvPr id="1" name=""/>
+        <p:cNvGrpSpPr/>
+        <p:nvPr/>
+      </p:nvGrpSpPr>
+      <p:grpSpPr>
+        <a:xfrm>
+          <a:off x="0" y="0"/>
+          <a:ext cx="0" cy="0"/>
+          <a:chOff x="0" y="0"/>
+          <a:chExt cx="0" cy="0"/>
+        </a:xfrm>
+      </p:grpSpPr>
+      <p:sp>
+        <p:nvSpPr>
+          <p:cNvPr id="2" name="Espaço Reservado para Imagem de Slide 1"/>
+          <p:cNvSpPr>
+            <a:spLocks noGrp="1" noRot="1" noChangeAspect="1"/>
+          </p:cNvSpPr>
+          <p:nvPr>
+            <p:ph type="sldImg"/>
+          </p:nvPr>
+        </p:nvSpPr>
+        <p:spPr>
+          <a:xfrm>
+            <a:off x="381000" y="685800"/>
+            <a:ext cx="6096000" cy="3429000"/>
+          </a:xfrm>
+        </p:spPr>
+      </p:sp>
+      <p:sp>
+        <p:nvSpPr>
+          <p:cNvPr id="3" name="Espaço Reservado para Anotações 2"/>
+          <p:cNvSpPr>
+            <a:spLocks noGrp="1"/>
+          </p:cNvSpPr>
+          <p:nvPr>
+            <p:ph type="body" idx="1"/>
+          </p:nvPr>
+        </p:nvSpPr>
+        <p:spPr/>
+        <p:txBody>
+          <a:bodyPr/>
+          <a:lstStyle/>
+          <a:p>
+            <a:r>
+              <a:rPr lang="pt-BR" dirty="0"/>
               <a:t>Programa que testa uma faixa de valores.</a:t>
             </a:r>
           </a:p>
@@ -1745,6 +2303,37 @@
           <a:chExt cx="0" cy="0"/>
         </a:xfrm>
       </p:grpSpPr>
+      <p:pic>
+        <p:nvPicPr>
+          <p:cNvPr id="13" name="Picture 3" descr="Rede de tecnologia iluminada em uma tela de fundo escura">
+            <a:extLst>
+              <a:ext uri="{FF2B5EF4-FFF2-40B4-BE49-F238E27FC236}">
+                <a16:creationId xmlns:a16="http://schemas.microsoft.com/office/drawing/2014/main" id="{855A943A-2A8F-4164-A2F2-582FC890D51B}"/>
+              </a:ext>
+            </a:extLst>
+          </p:cNvPr>
+          <p:cNvPicPr>
+            <a:picLocks noChangeAspect="1"/>
+          </p:cNvPicPr>
+          <p:nvPr userDrawn="1"/>
+        </p:nvPicPr>
+        <p:blipFill rotWithShape="1">
+          <a:blip r:embed="rId2">
+            <a:alphaModFix amt="30000"/>
+          </a:blip>
+          <a:srcRect t="22329"/>
+          <a:stretch/>
+        </p:blipFill>
+        <p:spPr>
+          <a:xfrm flipH="1" flipV="1">
+            <a:off x="487680" y="0"/>
+            <a:ext cx="11704320" cy="6858000"/>
+          </a:xfrm>
+          <a:prstGeom prst="rect">
+            <a:avLst/>
+          </a:prstGeom>
+        </p:spPr>
+      </p:pic>
       <p:sp>
         <p:nvSpPr>
           <p:cNvPr id="28" name="Espaço Reservado para Data 27"/>
@@ -1763,7 +2352,7 @@
             <a:fld id="{D4BF4B58-A8DD-49CC-8B87-3205B550A53B}" type="datetimeFigureOut">
               <a:rPr lang="pt-BR" smtClean="0"/>
               <a:pPr/>
-              <a:t>16/12/2019</a:t>
+              <a:t>15/05/2021</a:t>
             </a:fld>
             <a:endParaRPr lang="pt-BR"/>
           </a:p>
@@ -2318,7 +2907,7 @@
             <a:fld id="{D4BF4B58-A8DD-49CC-8B87-3205B550A53B}" type="datetimeFigureOut">
               <a:rPr lang="pt-BR" smtClean="0"/>
               <a:pPr/>
-              <a:t>16/12/2019</a:t>
+              <a:t>15/05/2021</a:t>
             </a:fld>
             <a:endParaRPr lang="pt-BR"/>
           </a:p>
@@ -2495,7 +3084,7 @@
             <a:fld id="{D4BF4B58-A8DD-49CC-8B87-3205B550A53B}" type="datetimeFigureOut">
               <a:rPr lang="pt-BR" smtClean="0"/>
               <a:pPr/>
-              <a:t>16/12/2019</a:t>
+              <a:t>15/05/2021</a:t>
             </a:fld>
             <a:endParaRPr lang="pt-BR"/>
           </a:p>
@@ -2662,7 +3251,7 @@
             <a:fld id="{D4BF4B58-A8DD-49CC-8B87-3205B550A53B}" type="datetimeFigureOut">
               <a:rPr lang="pt-BR" smtClean="0"/>
               <a:pPr/>
-              <a:t>16/12/2019</a:t>
+              <a:t>15/05/2021</a:t>
             </a:fld>
             <a:endParaRPr lang="pt-BR"/>
           </a:p>
@@ -4111,7 +4700,7 @@
             <a:fld id="{D4BF4B58-A8DD-49CC-8B87-3205B550A53B}" type="datetimeFigureOut">
               <a:rPr lang="pt-BR" smtClean="0"/>
               <a:pPr/>
-              <a:t>16/12/2019</a:t>
+              <a:t>15/05/2021</a:t>
             </a:fld>
             <a:endParaRPr lang="pt-BR"/>
           </a:p>
@@ -4693,7 +5282,7 @@
             <a:fld id="{D4BF4B58-A8DD-49CC-8B87-3205B550A53B}" type="datetimeFigureOut">
               <a:rPr lang="pt-BR" smtClean="0"/>
               <a:pPr/>
-              <a:t>16/12/2019</a:t>
+              <a:t>15/05/2021</a:t>
             </a:fld>
             <a:endParaRPr lang="pt-BR"/>
           </a:p>
@@ -5124,7 +5713,7 @@
             <a:fld id="{D4BF4B58-A8DD-49CC-8B87-3205B550A53B}" type="datetimeFigureOut">
               <a:rPr lang="pt-BR" smtClean="0"/>
               <a:pPr/>
-              <a:t>16/12/2019</a:t>
+              <a:t>15/05/2021</a:t>
             </a:fld>
             <a:endParaRPr lang="pt-BR"/>
           </a:p>
@@ -5663,7 +6252,7 @@
             <a:fld id="{D4BF4B58-A8DD-49CC-8B87-3205B550A53B}" type="datetimeFigureOut">
               <a:rPr lang="pt-BR" smtClean="0"/>
               <a:pPr/>
-              <a:t>16/12/2019</a:t>
+              <a:t>15/05/2021</a:t>
             </a:fld>
             <a:endParaRPr lang="pt-BR"/>
           </a:p>
@@ -5755,7 +6344,7 @@
             <a:fld id="{D4BF4B58-A8DD-49CC-8B87-3205B550A53B}" type="datetimeFigureOut">
               <a:rPr lang="pt-BR" smtClean="0"/>
               <a:pPr/>
-              <a:t>16/12/2019</a:t>
+              <a:t>15/05/2021</a:t>
             </a:fld>
             <a:endParaRPr lang="pt-BR"/>
           </a:p>
@@ -6005,7 +6594,7 @@
             <a:fld id="{D4BF4B58-A8DD-49CC-8B87-3205B550A53B}" type="datetimeFigureOut">
               <a:rPr lang="pt-BR" smtClean="0"/>
               <a:pPr/>
-              <a:t>16/12/2019</a:t>
+              <a:t>15/05/2021</a:t>
             </a:fld>
             <a:endParaRPr lang="pt-BR"/>
           </a:p>
@@ -6720,7 +7309,7 @@
             <a:fld id="{D4BF4B58-A8DD-49CC-8B87-3205B550A53B}" type="datetimeFigureOut">
               <a:rPr lang="pt-BR" smtClean="0"/>
               <a:pPr/>
-              <a:t>16/12/2019</a:t>
+              <a:t>15/05/2021</a:t>
             </a:fld>
             <a:endParaRPr lang="pt-BR"/>
           </a:p>
@@ -6791,9 +7380,23 @@
 <p:sldMaster xmlns:a="http://schemas.openxmlformats.org/drawingml/2006/main" xmlns:r="http://schemas.openxmlformats.org/officeDocument/2006/relationships" xmlns:p="http://schemas.openxmlformats.org/presentationml/2006/main">
   <p:cSld>
     <p:bg>
-      <p:bgRef idx="1002">
-        <a:schemeClr val="bg2"/>
-      </p:bgRef>
+      <p:bgPr>
+        <a:gradFill rotWithShape="1">
+          <a:gsLst>
+            <a:gs pos="50000">
+              <a:schemeClr val="bg1">
+                <a:shade val="90000"/>
+                <a:satMod val="375000"/>
+              </a:schemeClr>
+            </a:gs>
+            <a:gs pos="100000">
+              <a:srgbClr val="28415E"/>
+            </a:gs>
+          </a:gsLst>
+          <a:lin ang="5400000" scaled="0"/>
+        </a:gradFill>
+        <a:effectLst/>
+      </p:bgPr>
     </p:bg>
     <p:spTree>
       <p:nvGrpSpPr>
@@ -6987,7 +7590,7 @@
             <a:fld id="{D4BF4B58-A8DD-49CC-8B87-3205B550A53B}" type="datetimeFigureOut">
               <a:rPr lang="pt-BR" smtClean="0"/>
               <a:pPr/>
-              <a:t>16/12/2019</a:t>
+              <a:t>15/05/2021</a:t>
             </a:fld>
             <a:endParaRPr lang="pt-BR"/>
           </a:p>
@@ -7731,7 +8334,14 @@
             </a:r>
             <a:r>
               <a:rPr lang="pt-BR" dirty="0"/>
-              <a:t>, por isso os parênteses não são necessários no exemplo acima</a:t>
+              <a:t>, por isso os parênteses não </a:t>
+            </a:r>
+            <a:br>
+              <a:rPr lang="pt-BR" dirty="0"/>
+            </a:br>
+            <a:r>
+              <a:rPr lang="pt-BR" dirty="0"/>
+              <a:t>são necessários no exemplo acima</a:t>
             </a:r>
           </a:p>
           <a:p>
@@ -7976,7 +8586,14 @@
             </a:r>
             <a:r>
               <a:rPr lang="pt-BR" dirty="0"/>
-              <a:t>, ou seja, qualquer mudança feita do lado esquerdo ocorre antes da avaliação da expressão do lado direito</a:t>
+              <a:t>, ou seja, qualquer mudança feita do lado esquerdo ocorre antes da avaliação </a:t>
+            </a:r>
+            <a:br>
+              <a:rPr lang="pt-BR" dirty="0"/>
+            </a:br>
+            <a:r>
+              <a:rPr lang="pt-BR" dirty="0"/>
+              <a:t>da expressão do lado direito</a:t>
             </a:r>
           </a:p>
           <a:p>
@@ -8029,7 +8646,14 @@
             </a:r>
             <a:r>
               <a:rPr lang="pt-BR" dirty="0"/>
-              <a:t> no momento da comparação com </a:t>
+              <a:t> </a:t>
+            </a:r>
+            <a:br>
+              <a:rPr lang="pt-BR" dirty="0"/>
+            </a:br>
+            <a:r>
+              <a:rPr lang="pt-BR" dirty="0"/>
+              <a:t>no momento da comparação com </a:t>
             </a:r>
             <a:r>
               <a:rPr lang="pt-BR" sz="2400" dirty="0">
@@ -8471,7 +9095,7 @@
                 </a:solidFill>
                 <a:latin typeface="+mj-lt"/>
               </a:rPr>
-              <a:t>             </a:t>
+              <a:t>          </a:t>
             </a:r>
             <a:r>
               <a:rPr lang="pt-BR" sz="1400" dirty="0">
@@ -8555,7 +9179,7 @@
               <a:rPr lang="pt-BR" sz="1400" dirty="0">
                 <a:latin typeface="+mj-lt"/>
               </a:rPr>
-              <a:t> i = 0;</a:t>
+              <a:t> num;</a:t>
             </a:r>
             <a:br>
               <a:rPr lang="pt-BR" sz="1400" dirty="0">
@@ -8583,7 +9207,7 @@
               <a:rPr lang="pt-BR" sz="1400" dirty="0">
                 <a:latin typeface="+mj-lt"/>
               </a:rPr>
-              <a:t> num;</a:t>
+              <a:t> i = 0;</a:t>
             </a:r>
           </a:p>
           <a:p>
@@ -8925,8 +9549,8 @@
         </p:nvSpPr>
         <p:spPr>
           <a:xfrm>
-            <a:off x="1703512" y="6438256"/>
-            <a:ext cx="1550424" cy="369332"/>
+            <a:off x="10889200" y="6494076"/>
+            <a:ext cx="1255472" cy="307777"/>
           </a:xfrm>
           <a:prstGeom prst="rect">
             <a:avLst/>
@@ -8940,7 +9564,7 @@
           <a:lstStyle/>
           <a:p>
             <a:r>
-              <a:rPr lang="pt-BR" dirty="0">
+              <a:rPr lang="pt-BR" sz="1400" dirty="0">
                 <a:solidFill>
                   <a:schemeClr val="tx1">
                     <a:lumMod val="65000"/>
@@ -8951,7 +9575,7 @@
               <a:t>continua </a:t>
             </a:r>
             <a:r>
-              <a:rPr lang="pt-BR" dirty="0">
+              <a:rPr lang="pt-BR" sz="1400" dirty="0">
                 <a:solidFill>
                   <a:schemeClr val="tx1">
                     <a:lumMod val="65000"/>
@@ -8962,7 +9586,7 @@
               </a:rPr>
               <a:t></a:t>
             </a:r>
-            <a:endParaRPr lang="pt-BR" dirty="0">
+            <a:endParaRPr lang="pt-BR" sz="1400" dirty="0">
               <a:solidFill>
                 <a:schemeClr val="tx1">
                   <a:lumMod val="65000"/>
@@ -8973,177 +9597,48 @@
           </a:p>
         </p:txBody>
       </p:sp>
-      <p:grpSp>
-        <p:nvGrpSpPr>
-          <p:cNvPr id="6" name="Agrupar 5"/>
-          <p:cNvGrpSpPr/>
+      <p:sp>
+        <p:nvSpPr>
+          <p:cNvPr id="9" name="CaixaDeTexto 8">
+            <a:extLst>
+              <a:ext uri="{FF2B5EF4-FFF2-40B4-BE49-F238E27FC236}">
+                <a16:creationId xmlns:a16="http://schemas.microsoft.com/office/drawing/2014/main" id="{AE353952-8A22-42B5-9113-057FAE86B917}"/>
+              </a:ext>
+            </a:extLst>
+          </p:cNvPr>
+          <p:cNvSpPr txBox="1"/>
           <p:nvPr/>
-        </p:nvGrpSpPr>
-        <p:grpSpPr>
-          <a:xfrm>
-            <a:off x="11591925" y="6390817"/>
-            <a:ext cx="617266" cy="495111"/>
-            <a:chOff x="11582400" y="6381328"/>
-            <a:chExt cx="617266" cy="495111"/>
+        </p:nvSpPr>
+        <p:spPr>
+          <a:xfrm rot="16200000">
+            <a:off x="-714272" y="5774776"/>
+            <a:ext cx="1800200" cy="276999"/>
           </a:xfrm>
-        </p:grpSpPr>
-        <p:sp>
-          <p:nvSpPr>
-            <p:cNvPr id="7" name="Triângulo isósceles 6"/>
-            <p:cNvSpPr/>
-            <p:nvPr/>
-          </p:nvSpPr>
-          <p:spPr>
-            <a:xfrm>
-              <a:off x="11582400" y="6381328"/>
-              <a:ext cx="593516" cy="464210"/>
-            </a:xfrm>
-            <a:custGeom>
-              <a:avLst/>
-              <a:gdLst>
-                <a:gd name="connsiteX0" fmla="*/ 0 w 864096"/>
-                <a:gd name="connsiteY0" fmla="*/ 1512168 h 1512168"/>
-                <a:gd name="connsiteX1" fmla="*/ 432048 w 864096"/>
-                <a:gd name="connsiteY1" fmla="*/ 0 h 1512168"/>
-                <a:gd name="connsiteX2" fmla="*/ 864096 w 864096"/>
-                <a:gd name="connsiteY2" fmla="*/ 1512168 h 1512168"/>
-                <a:gd name="connsiteX3" fmla="*/ 0 w 864096"/>
-                <a:gd name="connsiteY3" fmla="*/ 1512168 h 1512168"/>
-                <a:gd name="connsiteX0" fmla="*/ 0 w 864096"/>
-                <a:gd name="connsiteY0" fmla="*/ 787773 h 787773"/>
-                <a:gd name="connsiteX1" fmla="*/ 847684 w 864096"/>
-                <a:gd name="connsiteY1" fmla="*/ 0 h 787773"/>
-                <a:gd name="connsiteX2" fmla="*/ 864096 w 864096"/>
-                <a:gd name="connsiteY2" fmla="*/ 787773 h 787773"/>
-                <a:gd name="connsiteX3" fmla="*/ 0 w 864096"/>
-                <a:gd name="connsiteY3" fmla="*/ 787773 h 787773"/>
-                <a:gd name="connsiteX0" fmla="*/ 0 w 864096"/>
-                <a:gd name="connsiteY0" fmla="*/ 797298 h 797298"/>
-                <a:gd name="connsiteX1" fmla="*/ 857209 w 864096"/>
-                <a:gd name="connsiteY1" fmla="*/ 0 h 797298"/>
-                <a:gd name="connsiteX2" fmla="*/ 864096 w 864096"/>
-                <a:gd name="connsiteY2" fmla="*/ 797298 h 797298"/>
-                <a:gd name="connsiteX3" fmla="*/ 0 w 864096"/>
-                <a:gd name="connsiteY3" fmla="*/ 797298 h 797298"/>
-                <a:gd name="connsiteX0" fmla="*/ 0 w 864096"/>
-                <a:gd name="connsiteY0" fmla="*/ 799680 h 799680"/>
-                <a:gd name="connsiteX1" fmla="*/ 861971 w 864096"/>
-                <a:gd name="connsiteY1" fmla="*/ 0 h 799680"/>
-                <a:gd name="connsiteX2" fmla="*/ 864096 w 864096"/>
-                <a:gd name="connsiteY2" fmla="*/ 799680 h 799680"/>
-                <a:gd name="connsiteX3" fmla="*/ 0 w 864096"/>
-                <a:gd name="connsiteY3" fmla="*/ 799680 h 799680"/>
-              </a:gdLst>
-              <a:ahLst/>
-              <a:cxnLst>
-                <a:cxn ang="0">
-                  <a:pos x="connsiteX0" y="connsiteY0"/>
-                </a:cxn>
-                <a:cxn ang="0">
-                  <a:pos x="connsiteX1" y="connsiteY1"/>
-                </a:cxn>
-                <a:cxn ang="0">
-                  <a:pos x="connsiteX2" y="connsiteY2"/>
-                </a:cxn>
-                <a:cxn ang="0">
-                  <a:pos x="connsiteX3" y="connsiteY3"/>
-                </a:cxn>
-              </a:cxnLst>
-              <a:rect l="l" t="t" r="r" b="b"/>
-              <a:pathLst>
-                <a:path w="864096" h="799680">
-                  <a:moveTo>
-                    <a:pt x="0" y="799680"/>
-                  </a:moveTo>
-                  <a:lnTo>
-                    <a:pt x="861971" y="0"/>
-                  </a:lnTo>
-                  <a:cubicBezTo>
-                    <a:pt x="864267" y="265766"/>
-                    <a:pt x="861800" y="533914"/>
-                    <a:pt x="864096" y="799680"/>
-                  </a:cubicBezTo>
-                  <a:lnTo>
-                    <a:pt x="0" y="799680"/>
-                  </a:lnTo>
-                  <a:close/>
-                </a:path>
-              </a:pathLst>
-            </a:custGeom>
-            <a:solidFill>
-              <a:schemeClr val="accent3">
-                <a:lumMod val="75000"/>
-              </a:schemeClr>
-            </a:solidFill>
-            <a:ln>
-              <a:solidFill>
-                <a:schemeClr val="accent3">
-                  <a:lumMod val="75000"/>
-                </a:schemeClr>
-              </a:solidFill>
-            </a:ln>
-          </p:spPr>
-          <p:style>
-            <a:lnRef idx="2">
-              <a:schemeClr val="accent1">
-                <a:shade val="50000"/>
-              </a:schemeClr>
-            </a:lnRef>
-            <a:fillRef idx="1">
-              <a:schemeClr val="accent1"/>
-            </a:fillRef>
-            <a:effectRef idx="0">
-              <a:schemeClr val="accent1"/>
-            </a:effectRef>
-            <a:fontRef idx="minor">
-              <a:schemeClr val="lt1"/>
-            </a:fontRef>
-          </p:style>
-          <p:txBody>
-            <a:bodyPr rtlCol="0" anchor="ctr"/>
-            <a:lstStyle/>
-            <a:p>
-              <a:pPr algn="ctr"/>
-              <a:endParaRPr lang="pt-BR" dirty="0"/>
-            </a:p>
-          </p:txBody>
-        </p:sp>
-        <p:sp>
-          <p:nvSpPr>
-            <p:cNvPr id="8" name="Retângulo 7"/>
-            <p:cNvSpPr/>
-            <p:nvPr/>
-          </p:nvSpPr>
-          <p:spPr>
-            <a:xfrm>
-              <a:off x="11808382" y="6476329"/>
-              <a:ext cx="391284" cy="400110"/>
-            </a:xfrm>
-            <a:prstGeom prst="rect">
-              <a:avLst/>
-            </a:prstGeom>
-          </p:spPr>
-          <p:txBody>
-            <a:bodyPr wrap="square">
-              <a:spAutoFit/>
-            </a:bodyPr>
-            <a:lstStyle/>
-            <a:p>
-              <a:pPr marL="68580" indent="0">
-                <a:buNone/>
-              </a:pPr>
-              <a:r>
-                <a:rPr lang="pt-BR" sz="2000" dirty="0">
-                  <a:solidFill>
-                    <a:schemeClr val="bg1"/>
-                  </a:solidFill>
-                </a:rPr>
-                <a:t>»</a:t>
-              </a:r>
-            </a:p>
-          </p:txBody>
-        </p:sp>
-      </p:grpSp>
+          <a:prstGeom prst="rect">
+            <a:avLst/>
+          </a:prstGeom>
+          <a:noFill/>
+        </p:spPr>
+        <p:txBody>
+          <a:bodyPr wrap="square" rtlCol="0">
+            <a:spAutoFit/>
+          </a:bodyPr>
+          <a:lstStyle/>
+          <a:p>
+            <a:r>
+              <a:rPr lang="pt-BR" sz="1200" dirty="0">
+                <a:solidFill>
+                  <a:schemeClr val="bg2">
+                    <a:lumMod val="50000"/>
+                  </a:schemeClr>
+                </a:solidFill>
+                <a:latin typeface="+mj-lt"/>
+              </a:rPr>
+              <a:t>// Vizinhos.cpp</a:t>
+            </a:r>
+          </a:p>
+        </p:txBody>
+      </p:sp>
     </p:spTree>
   </p:cSld>
   <p:clrMapOvr>
@@ -9572,7 +10067,7 @@
               <a:rPr lang="pt-BR" sz="1400" dirty="0">
                 <a:latin typeface="+mj-lt"/>
               </a:rPr>
-              <a:t>                 ++</a:t>
+              <a:t>                 </a:t>
             </a:r>
             <a:r>
               <a:rPr lang="pt-BR" sz="1400" dirty="0" err="1">
@@ -9584,7 +10079,7 @@
               <a:rPr lang="pt-BR" sz="1400" dirty="0">
                 <a:latin typeface="+mj-lt"/>
               </a:rPr>
-              <a:t>;</a:t>
+              <a:t>++;</a:t>
             </a:r>
           </a:p>
           <a:p>
@@ -9902,6 +10397,48 @@
           </p:txBody>
         </p:sp>
       </p:grpSp>
+      <p:sp>
+        <p:nvSpPr>
+          <p:cNvPr id="8" name="CaixaDeTexto 7">
+            <a:extLst>
+              <a:ext uri="{FF2B5EF4-FFF2-40B4-BE49-F238E27FC236}">
+                <a16:creationId xmlns:a16="http://schemas.microsoft.com/office/drawing/2014/main" id="{6066029C-AAF6-4424-9A31-8390D40D8416}"/>
+              </a:ext>
+            </a:extLst>
+          </p:cNvPr>
+          <p:cNvSpPr txBox="1"/>
+          <p:nvPr/>
+        </p:nvSpPr>
+        <p:spPr>
+          <a:xfrm rot="16200000">
+            <a:off x="-714272" y="5774776"/>
+            <a:ext cx="1800200" cy="276999"/>
+          </a:xfrm>
+          <a:prstGeom prst="rect">
+            <a:avLst/>
+          </a:prstGeom>
+          <a:noFill/>
+        </p:spPr>
+        <p:txBody>
+          <a:bodyPr wrap="square" rtlCol="0">
+            <a:spAutoFit/>
+          </a:bodyPr>
+          <a:lstStyle/>
+          <a:p>
+            <a:r>
+              <a:rPr lang="pt-BR" sz="1200" dirty="0">
+                <a:solidFill>
+                  <a:schemeClr val="bg2">
+                    <a:lumMod val="50000"/>
+                  </a:schemeClr>
+                </a:solidFill>
+                <a:latin typeface="+mj-lt"/>
+              </a:rPr>
+              <a:t>// Vizinhos.cpp</a:t>
+            </a:r>
+          </a:p>
+        </p:txBody>
+      </p:sp>
     </p:spTree>
   </p:cSld>
   <p:clrMapOvr>
@@ -9962,10 +10499,15 @@
         <p:spPr/>
         <p:txBody>
           <a:bodyPr>
-            <a:normAutofit lnSpcReduction="10000"/>
+            <a:normAutofit/>
           </a:bodyPr>
           <a:lstStyle/>
           <a:p>
+            <a:pPr>
+              <a:spcAft>
+                <a:spcPts val="600"/>
+              </a:spcAft>
+            </a:pPr>
             <a:r>
               <a:rPr lang="pt-BR" dirty="0"/>
               <a:t>Saída do Programa:</a:t>
@@ -9987,9 +10529,6 @@
             <a:endParaRPr lang="pt-BR" dirty="0"/>
           </a:p>
           <a:p>
-            <a:endParaRPr lang="pt-BR" dirty="0"/>
-          </a:p>
-          <a:p>
             <a:r>
               <a:rPr lang="pt-BR" dirty="0"/>
               <a:t>O programa usa um </a:t>
@@ -10006,14 +10545,14 @@
             </a:r>
             <a:r>
               <a:rPr lang="pt-BR" dirty="0"/>
-              <a:t> para guardar quantos </a:t>
+              <a:t> para guardar </a:t>
             </a:r>
             <a:br>
               <a:rPr lang="pt-BR" dirty="0"/>
             </a:br>
             <a:r>
               <a:rPr lang="pt-BR" dirty="0"/>
-              <a:t>valores obedecem a uma condição</a:t>
+              <a:t>quantos valores obedecem a uma condição</a:t>
             </a:r>
           </a:p>
         </p:txBody>
@@ -10076,7 +10615,10 @@
             <a:r>
               <a:rPr lang="pt-BR" sz="1600" b="1" dirty="0">
                 <a:solidFill>
-                  <a:schemeClr val="accent3"/>
+                  <a:schemeClr val="accent3">
+                    <a:lumMod val="60000"/>
+                    <a:lumOff val="40000"/>
+                  </a:schemeClr>
                 </a:solidFill>
                 <a:latin typeface="+mj-lt"/>
               </a:rPr>
@@ -10093,7 +10635,10 @@
             <a:r>
               <a:rPr lang="pt-BR" sz="1600" b="1" dirty="0">
                 <a:solidFill>
-                  <a:schemeClr val="accent3"/>
+                  <a:schemeClr val="accent3">
+                    <a:lumMod val="60000"/>
+                    <a:lumOff val="40000"/>
+                  </a:schemeClr>
                 </a:solidFill>
                 <a:latin typeface="+mj-lt"/>
               </a:rPr>
@@ -10110,7 +10655,10 @@
             <a:r>
               <a:rPr lang="pt-BR" sz="1600" b="1" dirty="0">
                 <a:solidFill>
-                  <a:schemeClr val="accent3"/>
+                  <a:schemeClr val="accent3">
+                    <a:lumMod val="60000"/>
+                    <a:lumOff val="40000"/>
+                  </a:schemeClr>
                 </a:solidFill>
                 <a:latin typeface="+mj-lt"/>
               </a:rPr>
@@ -10127,7 +10675,10 @@
             <a:r>
               <a:rPr lang="pt-BR" sz="1600" b="1" dirty="0">
                 <a:solidFill>
-                  <a:schemeClr val="accent3"/>
+                  <a:schemeClr val="accent3">
+                    <a:lumMod val="60000"/>
+                    <a:lumOff val="40000"/>
+                  </a:schemeClr>
                 </a:solidFill>
                 <a:latin typeface="+mj-lt"/>
               </a:rPr>
@@ -10144,7 +10695,10 @@
             <a:r>
               <a:rPr lang="pt-BR" sz="1600" b="1" dirty="0">
                 <a:solidFill>
-                  <a:schemeClr val="accent3"/>
+                  <a:schemeClr val="accent3">
+                    <a:lumMod val="60000"/>
+                    <a:lumOff val="40000"/>
+                  </a:schemeClr>
                 </a:solidFill>
                 <a:latin typeface="+mj-lt"/>
               </a:rPr>
@@ -10160,6 +10714,12 @@
             </a:r>
             <a:r>
               <a:rPr lang="pt-BR" sz="1600" b="1" dirty="0">
+                <a:solidFill>
+                  <a:schemeClr val="accent3">
+                    <a:lumMod val="60000"/>
+                    <a:lumOff val="40000"/>
+                  </a:schemeClr>
+                </a:solidFill>
                 <a:latin typeface="+mj-lt"/>
               </a:rPr>
               <a:t>20</a:t>
@@ -10941,6 +11501,48 @@
           </a:p>
         </p:txBody>
       </p:sp>
+      <p:sp>
+        <p:nvSpPr>
+          <p:cNvPr id="5" name="CaixaDeTexto 4">
+            <a:extLst>
+              <a:ext uri="{FF2B5EF4-FFF2-40B4-BE49-F238E27FC236}">
+                <a16:creationId xmlns:a16="http://schemas.microsoft.com/office/drawing/2014/main" id="{6A1D60EC-68A1-4D2A-A559-B31B40CD656E}"/>
+              </a:ext>
+            </a:extLst>
+          </p:cNvPr>
+          <p:cNvSpPr txBox="1"/>
+          <p:nvPr/>
+        </p:nvSpPr>
+        <p:spPr>
+          <a:xfrm rot="16200000">
+            <a:off x="-714272" y="5774776"/>
+            <a:ext cx="1800200" cy="276999"/>
+          </a:xfrm>
+          <a:prstGeom prst="rect">
+            <a:avLst/>
+          </a:prstGeom>
+          <a:noFill/>
+        </p:spPr>
+        <p:txBody>
+          <a:bodyPr wrap="square" rtlCol="0">
+            <a:spAutoFit/>
+          </a:bodyPr>
+          <a:lstStyle/>
+          <a:p>
+            <a:r>
+              <a:rPr lang="pt-BR" sz="1200" dirty="0">
+                <a:solidFill>
+                  <a:schemeClr val="bg2">
+                    <a:lumMod val="50000"/>
+                  </a:schemeClr>
+                </a:solidFill>
+                <a:latin typeface="+mj-lt"/>
+              </a:rPr>
+              <a:t>// Faixa.cpp</a:t>
+            </a:r>
+          </a:p>
+        </p:txBody>
+      </p:sp>
     </p:spTree>
   </p:cSld>
   <p:clrMapOvr>
@@ -11069,7 +11671,10 @@
             <a:r>
               <a:rPr lang="pt-BR" sz="1600" dirty="0">
                 <a:solidFill>
-                  <a:schemeClr val="accent3"/>
+                  <a:schemeClr val="accent3">
+                    <a:lumMod val="60000"/>
+                    <a:lumOff val="40000"/>
+                  </a:schemeClr>
                 </a:solidFill>
                 <a:latin typeface="+mj-lt"/>
               </a:rPr>
@@ -11077,7 +11682,10 @@
             </a:r>
             <a:endParaRPr lang="pt-BR" sz="1600" b="1" dirty="0">
               <a:solidFill>
-                <a:schemeClr val="accent3"/>
+                <a:schemeClr val="accent3">
+                  <a:lumMod val="60000"/>
+                  <a:lumOff val="40000"/>
+                </a:schemeClr>
               </a:solidFill>
               <a:latin typeface="+mj-lt"/>
             </a:endParaRPr>
@@ -11140,7 +11748,7 @@
                 </a:solidFill>
                 <a:latin typeface="+mj-lt"/>
               </a:rPr>
-              <a:t>// OK</a:t>
+              <a:t>// ok</a:t>
             </a:r>
             <a:br>
               <a:rPr lang="pt-BR" sz="1600" dirty="0">
@@ -11188,7 +11796,7 @@
                 </a:solidFill>
                 <a:latin typeface="+mj-lt"/>
               </a:rPr>
-              <a:t>// Não faça isso</a:t>
+              <a:t>// não faça isso</a:t>
             </a:r>
             <a:endParaRPr lang="pt-BR" sz="1600" dirty="0">
               <a:latin typeface="+mj-lt"/>
@@ -11221,7 +11829,7 @@
                 </a:solidFill>
                 <a:latin typeface="+mj-lt"/>
               </a:rPr>
-              <a:t>// Sempre verdadeiro</a:t>
+              <a:t>// sempre verdadeiro</a:t>
             </a:r>
           </a:p>
         </p:txBody>
@@ -11815,9 +12423,14 @@
           <a:bodyPr/>
           <a:lstStyle/>
           <a:p>
+            <a:pPr>
+              <a:spcAft>
+                <a:spcPts val="1800"/>
+              </a:spcAft>
+            </a:pPr>
             <a:r>
               <a:rPr lang="pt-BR" dirty="0"/>
-              <a:t>Muitas vezes uma relação pode ser </a:t>
+              <a:t>Uma relação pode ser </a:t>
             </a:r>
             <a:r>
               <a:rPr lang="pt-BR" dirty="0">
@@ -11829,6 +12442,15 @@
               </a:rPr>
               <a:t>expressa de forma mais clara </a:t>
             </a:r>
+            <a:br>
+              <a:rPr lang="pt-BR" dirty="0">
+                <a:solidFill>
+                  <a:schemeClr val="accent3">
+                    <a:lumMod val="75000"/>
+                  </a:schemeClr>
+                </a:solidFill>
+              </a:rPr>
+            </a:br>
             <a:r>
               <a:rPr lang="pt-BR" dirty="0"/>
               <a:t>sem o operador de negação</a:t>
@@ -11838,12 +12460,9 @@
             <a:endParaRPr lang="pt-BR" dirty="0"/>
           </a:p>
           <a:p>
-            <a:endParaRPr lang="pt-BR" dirty="0"/>
-          </a:p>
-          <a:p>
             <a:r>
               <a:rPr lang="pt-BR" dirty="0"/>
-              <a:t>Porém ele é muito útil para usar com </a:t>
+              <a:t>Porém ele é útil com </a:t>
             </a:r>
             <a:r>
               <a:rPr lang="pt-BR" dirty="0">
@@ -11857,7 +12476,14 @@
             </a:r>
             <a:r>
               <a:rPr lang="pt-BR" dirty="0"/>
-              <a:t> em caso de sucesso</a:t>
+              <a:t> </a:t>
+            </a:r>
+            <a:br>
+              <a:rPr lang="pt-BR" dirty="0"/>
+            </a:br>
+            <a:r>
+              <a:rPr lang="pt-BR" dirty="0"/>
+              <a:t>em caso de sucesso</a:t>
             </a:r>
           </a:p>
           <a:p>
@@ -11892,7 +12518,14 @@
             </a:r>
             <a:r>
               <a:rPr lang="pt-BR" dirty="0"/>
-              <a:t>) retorna zero se as strings </a:t>
+              <a:t>) retorna zero </a:t>
+            </a:r>
+            <a:br>
+              <a:rPr lang="pt-BR" dirty="0"/>
+            </a:br>
+            <a:r>
+              <a:rPr lang="pt-BR" dirty="0"/>
+              <a:t>se as strings </a:t>
             </a:r>
             <a:r>
               <a:rPr lang="pt-BR" dirty="0">
@@ -11925,8 +12558,8 @@
         </p:nvSpPr>
         <p:spPr>
           <a:xfrm>
-            <a:off x="1703512" y="2924944"/>
-            <a:ext cx="7096815" cy="400110"/>
+            <a:off x="1631504" y="2924944"/>
+            <a:ext cx="6389891" cy="369332"/>
           </a:xfrm>
           <a:prstGeom prst="rect">
             <a:avLst/>
@@ -11940,7 +12573,7 @@
           <a:lstStyle/>
           <a:p>
             <a:r>
-              <a:rPr lang="pt-BR" sz="2000" dirty="0" err="1">
+              <a:rPr lang="pt-BR" dirty="0" err="1">
                 <a:solidFill>
                   <a:schemeClr val="accent3">
                     <a:lumMod val="75000"/>
@@ -11951,13 +12584,13 @@
               <a:t>if</a:t>
             </a:r>
             <a:r>
-              <a:rPr lang="pt-BR" sz="2000" dirty="0">
+              <a:rPr lang="pt-BR" dirty="0">
                 <a:latin typeface="+mj-lt"/>
               </a:rPr>
               <a:t> (!(x &gt; 5))    </a:t>
             </a:r>
             <a:r>
-              <a:rPr lang="pt-BR" sz="2000" dirty="0">
+              <a:rPr lang="pt-BR" dirty="0">
                 <a:solidFill>
                   <a:schemeClr val="tx1">
                     <a:lumMod val="50000"/>
@@ -11968,7 +12601,7 @@
               <a:t>// a mesma coisa que </a:t>
             </a:r>
             <a:r>
-              <a:rPr lang="pt-BR" sz="2000" dirty="0" err="1">
+              <a:rPr lang="pt-BR" dirty="0" err="1">
                 <a:solidFill>
                   <a:schemeClr val="tx1">
                     <a:lumMod val="50000"/>
@@ -11979,7 +12612,7 @@
               <a:t>if</a:t>
             </a:r>
             <a:r>
-              <a:rPr lang="pt-BR" sz="2000" dirty="0">
+              <a:rPr lang="pt-BR" dirty="0">
                 <a:solidFill>
                   <a:schemeClr val="tx1">
                     <a:lumMod val="50000"/>
@@ -12000,8 +12633,8 @@
         </p:nvSpPr>
         <p:spPr>
           <a:xfrm>
-            <a:off x="1961596" y="5517232"/>
-            <a:ext cx="7661072" cy="400110"/>
+            <a:off x="1991544" y="5445224"/>
+            <a:ext cx="3983783" cy="646331"/>
           </a:xfrm>
           <a:prstGeom prst="rect">
             <a:avLst/>
@@ -12015,7 +12648,20 @@
           <a:lstStyle/>
           <a:p>
             <a:r>
-              <a:rPr lang="pt-BR" sz="2000" dirty="0" err="1">
+              <a:rPr lang="pt-BR" dirty="0">
+                <a:solidFill>
+                  <a:schemeClr val="tx1">
+                    <a:lumMod val="50000"/>
+                  </a:schemeClr>
+                </a:solidFill>
+                <a:latin typeface="+mj-lt"/>
+              </a:rPr>
+              <a:t>// se as strings são iguais...</a:t>
+            </a:r>
+          </a:p>
+          <a:p>
+            <a:r>
+              <a:rPr lang="pt-BR" dirty="0" err="1">
                 <a:solidFill>
                   <a:schemeClr val="accent3">
                     <a:lumMod val="75000"/>
@@ -12026,34 +12672,31 @@
               <a:t>if</a:t>
             </a:r>
             <a:r>
-              <a:rPr lang="pt-BR" sz="2000" dirty="0">
+              <a:rPr lang="pt-BR" dirty="0">
                 <a:latin typeface="+mj-lt"/>
               </a:rPr>
               <a:t> (!</a:t>
             </a:r>
             <a:r>
-              <a:rPr lang="pt-BR" sz="2000" dirty="0" err="1">
+              <a:rPr lang="pt-BR" dirty="0" err="1">
                 <a:latin typeface="+mj-lt"/>
               </a:rPr>
               <a:t>strcmp</a:t>
             </a:r>
             <a:r>
-              <a:rPr lang="pt-BR" sz="2000" dirty="0">
-                <a:latin typeface="+mj-lt"/>
-              </a:rPr>
-              <a:t>(s1,s2))    </a:t>
-            </a:r>
-            <a:r>
-              <a:rPr lang="pt-BR" sz="2000" dirty="0">
-                <a:solidFill>
-                  <a:schemeClr val="tx1">
-                    <a:lumMod val="50000"/>
-                  </a:schemeClr>
-                </a:solidFill>
-                <a:latin typeface="+mj-lt"/>
-              </a:rPr>
-              <a:t>// se as strings são iguais...</a:t>
-            </a:r>
+              <a:rPr lang="pt-BR" dirty="0">
+                <a:latin typeface="+mj-lt"/>
+              </a:rPr>
+              <a:t>(s1,s2))</a:t>
+            </a:r>
+            <a:endParaRPr lang="pt-BR" dirty="0">
+              <a:solidFill>
+                <a:schemeClr val="tx1">
+                  <a:lumMod val="50000"/>
+                </a:schemeClr>
+              </a:solidFill>
+              <a:latin typeface="+mj-lt"/>
+            </a:endParaRPr>
           </a:p>
         </p:txBody>
       </p:sp>
@@ -12778,6 +13421,48 @@
           </a:p>
         </p:txBody>
       </p:sp>
+      <p:sp>
+        <p:nvSpPr>
+          <p:cNvPr id="5" name="CaixaDeTexto 4">
+            <a:extLst>
+              <a:ext uri="{FF2B5EF4-FFF2-40B4-BE49-F238E27FC236}">
+                <a16:creationId xmlns:a16="http://schemas.microsoft.com/office/drawing/2014/main" id="{3F1BC856-89DF-4C74-AE5E-1043C519961D}"/>
+              </a:ext>
+            </a:extLst>
+          </p:cNvPr>
+          <p:cNvSpPr txBox="1"/>
+          <p:nvPr/>
+        </p:nvSpPr>
+        <p:spPr>
+          <a:xfrm rot="16200000">
+            <a:off x="-714272" y="5774776"/>
+            <a:ext cx="1800200" cy="276999"/>
+          </a:xfrm>
+          <a:prstGeom prst="rect">
+            <a:avLst/>
+          </a:prstGeom>
+          <a:noFill/>
+        </p:spPr>
+        <p:txBody>
+          <a:bodyPr wrap="square" rtlCol="0">
+            <a:spAutoFit/>
+          </a:bodyPr>
+          <a:lstStyle/>
+          <a:p>
+            <a:r>
+              <a:rPr lang="pt-BR" sz="1200" dirty="0">
+                <a:solidFill>
+                  <a:schemeClr val="bg2">
+                    <a:lumMod val="50000"/>
+                  </a:schemeClr>
+                </a:solidFill>
+                <a:latin typeface="+mj-lt"/>
+              </a:rPr>
+              <a:t>// Inteiro.cpp</a:t>
+            </a:r>
+          </a:p>
+        </p:txBody>
+      </p:sp>
     </p:spTree>
   </p:cSld>
   <p:clrMapOvr>
@@ -13479,7 +14164,10 @@
             <a:r>
               <a:rPr lang="pt-BR" sz="1600" b="1" dirty="0">
                 <a:solidFill>
-                  <a:schemeClr val="accent3"/>
+                  <a:schemeClr val="accent3">
+                    <a:lumMod val="60000"/>
+                    <a:lumOff val="40000"/>
+                  </a:schemeClr>
                 </a:solidFill>
                 <a:latin typeface="+mj-lt"/>
               </a:rPr>
@@ -13496,7 +14184,10 @@
             <a:r>
               <a:rPr lang="pt-BR" sz="1600" b="1" dirty="0">
                 <a:solidFill>
-                  <a:schemeClr val="accent3"/>
+                  <a:schemeClr val="accent3">
+                    <a:lumMod val="60000"/>
+                    <a:lumOff val="40000"/>
+                  </a:schemeClr>
                 </a:solidFill>
                 <a:latin typeface="+mj-lt"/>
               </a:rPr>
@@ -13513,7 +14204,10 @@
             <a:r>
               <a:rPr lang="pt-BR" sz="1600" b="1" dirty="0">
                 <a:solidFill>
-                  <a:schemeClr val="accent3"/>
+                  <a:schemeClr val="accent3">
+                    <a:lumMod val="60000"/>
+                    <a:lumOff val="40000"/>
+                  </a:schemeClr>
                 </a:solidFill>
                 <a:latin typeface="+mj-lt"/>
               </a:rPr>
@@ -13540,6 +14234,48 @@
                 <a:latin typeface="+mj-lt"/>
               </a:rPr>
               <a:t>Tchau!</a:t>
+            </a:r>
+          </a:p>
+        </p:txBody>
+      </p:sp>
+      <p:sp>
+        <p:nvSpPr>
+          <p:cNvPr id="6" name="CaixaDeTexto 5">
+            <a:extLst>
+              <a:ext uri="{FF2B5EF4-FFF2-40B4-BE49-F238E27FC236}">
+                <a16:creationId xmlns:a16="http://schemas.microsoft.com/office/drawing/2014/main" id="{80E4335A-4945-48F4-84AA-1872DC5A2DA9}"/>
+              </a:ext>
+            </a:extLst>
+          </p:cNvPr>
+          <p:cNvSpPr txBox="1"/>
+          <p:nvPr/>
+        </p:nvSpPr>
+        <p:spPr>
+          <a:xfrm rot="16200000">
+            <a:off x="-714272" y="5774776"/>
+            <a:ext cx="1800200" cy="276999"/>
+          </a:xfrm>
+          <a:prstGeom prst="rect">
+            <a:avLst/>
+          </a:prstGeom>
+          <a:noFill/>
+        </p:spPr>
+        <p:txBody>
+          <a:bodyPr wrap="square" rtlCol="0">
+            <a:spAutoFit/>
+          </a:bodyPr>
+          <a:lstStyle/>
+          <a:p>
+            <a:r>
+              <a:rPr lang="pt-BR" sz="1200" dirty="0">
+                <a:solidFill>
+                  <a:schemeClr val="bg2">
+                    <a:lumMod val="50000"/>
+                  </a:schemeClr>
+                </a:solidFill>
+                <a:latin typeface="+mj-lt"/>
+              </a:rPr>
+              <a:t>// Inteiro.cpp</a:t>
             </a:r>
           </a:p>
         </p:txBody>
@@ -13608,7 +14344,7 @@
           <a:p>
             <a:r>
               <a:rPr lang="pt-BR" dirty="0"/>
-              <a:t>Os operadores relacionais tem uma precedência maior que os</a:t>
+              <a:t>Os</a:t>
             </a:r>
             <a:r>
               <a:rPr lang="pt-BR" dirty="0">
@@ -13638,9 +14374,33 @@
                   </a:schemeClr>
                 </a:solidFill>
               </a:rPr>
-              <a:t> OU</a:t>
-            </a:r>
-            <a:endParaRPr lang="pt-BR" dirty="0"/>
+              <a:t> OU </a:t>
+            </a:r>
+            <a:r>
+              <a:rPr lang="pt-BR" dirty="0"/>
+              <a:t>tem uma precedência </a:t>
+            </a:r>
+            <a:r>
+              <a:rPr lang="pt-BR" dirty="0">
+                <a:solidFill>
+                  <a:schemeClr val="accent3">
+                    <a:lumMod val="75000"/>
+                  </a:schemeClr>
+                </a:solidFill>
+              </a:rPr>
+              <a:t>menor</a:t>
+            </a:r>
+            <a:r>
+              <a:rPr lang="pt-BR" dirty="0"/>
+              <a:t> que os operadores relacionais e aritméticos</a:t>
+            </a:r>
+            <a:endParaRPr lang="pt-BR" dirty="0">
+              <a:solidFill>
+                <a:schemeClr val="accent3">
+                  <a:lumMod val="75000"/>
+                </a:schemeClr>
+              </a:solidFill>
+            </a:endParaRPr>
           </a:p>
           <a:p>
             <a:endParaRPr lang="pt-BR" dirty="0"/>
@@ -13665,7 +14425,28 @@
             </a:r>
             <a:r>
               <a:rPr lang="pt-BR" dirty="0"/>
-              <a:t> tem uma precedência maior que os operadores relacionais e aritméticos</a:t>
+              <a:t> tem uma precedência </a:t>
+            </a:r>
+            <a:r>
+              <a:rPr lang="pt-BR" dirty="0">
+                <a:solidFill>
+                  <a:schemeClr val="accent3">
+                    <a:lumMod val="75000"/>
+                  </a:schemeClr>
+                </a:solidFill>
+              </a:rPr>
+              <a:t>maior</a:t>
+            </a:r>
+            <a:r>
+              <a:rPr lang="pt-BR" dirty="0"/>
+              <a:t> </a:t>
+            </a:r>
+            <a:br>
+              <a:rPr lang="pt-BR" dirty="0"/>
+            </a:br>
+            <a:r>
+              <a:rPr lang="pt-BR" dirty="0"/>
+              <a:t>que os operadores relacionais e aritméticos</a:t>
             </a:r>
           </a:p>
         </p:txBody>
@@ -13678,8 +14459,8 @@
         </p:nvSpPr>
         <p:spPr>
           <a:xfrm>
-            <a:off x="1559496" y="2987048"/>
-            <a:ext cx="7661072" cy="400110"/>
+            <a:off x="1775520" y="2924944"/>
+            <a:ext cx="5262979" cy="707886"/>
           </a:xfrm>
           <a:prstGeom prst="rect">
             <a:avLst/>
@@ -13694,12 +14475,6 @@
           <a:p>
             <a:r>
               <a:rPr lang="pt-BR" sz="2000" dirty="0">
-                <a:latin typeface="+mj-lt"/>
-              </a:rPr>
-              <a:t> x &gt; 5 &amp;&amp; x &lt; 10 </a:t>
-            </a:r>
-            <a:r>
-              <a:rPr lang="pt-BR" sz="2000" dirty="0">
                 <a:solidFill>
                   <a:schemeClr val="tx1">
                     <a:lumMod val="50000"/>
@@ -13709,6 +14484,22 @@
               </a:rPr>
               <a:t>// equivalente a (x &gt; 5) &amp;&amp; (x &lt; 10)</a:t>
             </a:r>
+          </a:p>
+          <a:p>
+            <a:r>
+              <a:rPr lang="pt-BR" sz="2000" dirty="0">
+                <a:latin typeface="+mj-lt"/>
+              </a:rPr>
+              <a:t>x &gt; 5 &amp;&amp; x &lt; 10</a:t>
+            </a:r>
+            <a:endParaRPr lang="pt-BR" sz="2000" dirty="0">
+              <a:solidFill>
+                <a:schemeClr val="tx1">
+                  <a:lumMod val="50000"/>
+                </a:schemeClr>
+              </a:solidFill>
+              <a:latin typeface="+mj-lt"/>
+            </a:endParaRPr>
           </a:p>
         </p:txBody>
       </p:sp>
@@ -13720,7 +14511,7 @@
         </p:nvSpPr>
         <p:spPr>
           <a:xfrm>
-            <a:off x="1559496" y="5085184"/>
+            <a:off x="1775520" y="5085184"/>
             <a:ext cx="8084264" cy="707886"/>
           </a:xfrm>
           <a:prstGeom prst="rect">
@@ -13738,7 +14529,7 @@
               <a:rPr lang="pt-BR" sz="2000" dirty="0">
                 <a:latin typeface="+mj-lt"/>
               </a:rPr>
-              <a:t> !(x &gt; 5)   </a:t>
+              <a:t>!(x &gt; 5)   </a:t>
             </a:r>
             <a:r>
               <a:rPr lang="pt-BR" sz="2000" dirty="0">
@@ -13757,7 +14548,7 @@
               <a:rPr lang="pt-BR" sz="2000" dirty="0">
                 <a:latin typeface="+mj-lt"/>
               </a:rPr>
-              <a:t> !x &gt; 5     </a:t>
+              <a:t>!x &gt; 5     </a:t>
             </a:r>
             <a:r>
               <a:rPr lang="pt-BR" sz="2000" dirty="0">
@@ -13835,6 +14626,11 @@
           <a:bodyPr/>
           <a:lstStyle/>
           <a:p>
+            <a:pPr>
+              <a:spcAft>
+                <a:spcPts val="1200"/>
+              </a:spcAft>
+            </a:pPr>
             <a:r>
               <a:rPr lang="pt-BR" dirty="0"/>
               <a:t>O </a:t>
@@ -13851,7 +14647,14 @@
             </a:r>
             <a:r>
               <a:rPr lang="pt-BR" dirty="0"/>
-              <a:t>tem uma precedência maior que o </a:t>
+              <a:t>tem uma precedência maior </a:t>
+            </a:r>
+            <a:br>
+              <a:rPr lang="pt-BR" dirty="0"/>
+            </a:br>
+            <a:r>
+              <a:rPr lang="pt-BR" dirty="0"/>
+              <a:t>que o </a:t>
             </a:r>
             <a:r>
               <a:rPr lang="pt-BR" dirty="0">
@@ -13883,15 +14686,6 @@
             </a:endParaRPr>
           </a:p>
           <a:p>
-            <a:endParaRPr lang="pt-BR" dirty="0">
-              <a:solidFill>
-                <a:schemeClr val="accent3">
-                  <a:lumMod val="75000"/>
-                </a:schemeClr>
-              </a:solidFill>
-            </a:endParaRPr>
-          </a:p>
-          <a:p>
             <a:r>
               <a:rPr lang="pt-BR" dirty="0">
                 <a:solidFill>
@@ -13904,7 +14698,14 @@
             </a:r>
             <a:r>
               <a:rPr lang="pt-BR" dirty="0"/>
-              <a:t>para aumentar a legibilidade e clareza do código</a:t>
+              <a:t>para </a:t>
+            </a:r>
+            <a:br>
+              <a:rPr lang="pt-BR" dirty="0"/>
+            </a:br>
+            <a:r>
+              <a:rPr lang="pt-BR" dirty="0"/>
+              <a:t>aumentar a legibilidade e clareza do código</a:t>
             </a:r>
           </a:p>
           <a:p>
@@ -13921,7 +14722,7 @@
         <p:spPr>
           <a:xfrm>
             <a:off x="1703512" y="2996952"/>
-            <a:ext cx="6673622" cy="707886"/>
+            <a:ext cx="6814686" cy="707886"/>
           </a:xfrm>
           <a:prstGeom prst="rect">
             <a:avLst/>
@@ -13943,58 +14744,16 @@
                 </a:solidFill>
                 <a:latin typeface="+mj-lt"/>
               </a:rPr>
-              <a:t>// equivalente a (x &gt; 30 &amp;&amp; x &lt; 45) |</a:t>
-            </a:r>
-            <a:r>
-              <a:rPr lang="pt-BR" sz="2000" dirty="0" err="1">
-                <a:solidFill>
-                  <a:schemeClr val="tx1">
-                    <a:lumMod val="50000"/>
-                  </a:schemeClr>
-                </a:solidFill>
-                <a:latin typeface="+mj-lt"/>
-              </a:rPr>
-              <a:t>|</a:t>
-            </a:r>
+              <a:t>// equivalente a x &gt; 300 || (y &gt; 30 &amp;&amp; y &lt; 45)</a:t>
+            </a:r>
+          </a:p>
+          <a:p>
             <a:r>
               <a:rPr lang="pt-BR" sz="2000" dirty="0">
-                <a:solidFill>
-                  <a:schemeClr val="tx1">
-                    <a:lumMod val="50000"/>
-                  </a:schemeClr>
-                </a:solidFill>
-                <a:latin typeface="+mj-lt"/>
-              </a:rPr>
-              <a:t> y &gt; 300</a:t>
-            </a:r>
-          </a:p>
-          <a:p>
-            <a:r>
-              <a:rPr lang="pt-BR" sz="2000" dirty="0">
-                <a:latin typeface="+mj-lt"/>
-              </a:rPr>
-              <a:t>x &gt; 30 &amp;&amp; x &lt; 45 |</a:t>
-            </a:r>
-            <a:r>
-              <a:rPr lang="pt-BR" sz="2000" dirty="0" err="1">
-                <a:latin typeface="+mj-lt"/>
-              </a:rPr>
-              <a:t>|</a:t>
-            </a:r>
-            <a:r>
-              <a:rPr lang="pt-BR" sz="2000" dirty="0">
-                <a:latin typeface="+mj-lt"/>
-              </a:rPr>
-              <a:t> y &gt; 300</a:t>
-            </a:r>
-            <a:endParaRPr lang="pt-BR" sz="2000" dirty="0">
-              <a:solidFill>
-                <a:schemeClr val="tx1">
-                  <a:lumMod val="50000"/>
-                </a:schemeClr>
-              </a:solidFill>
-              <a:latin typeface="+mj-lt"/>
-            </a:endParaRPr>
+                <a:latin typeface="+mj-lt"/>
+              </a:rPr>
+              <a:t>x &gt; 300 || y &gt; 30 &amp;&amp; y &lt; 45</a:t>
+            </a:r>
           </a:p>
         </p:txBody>
       </p:sp>
@@ -14006,7 +14765,7 @@
         </p:nvSpPr>
         <p:spPr>
           <a:xfrm>
-            <a:off x="1631504" y="5517232"/>
+            <a:off x="1631504" y="5229200"/>
             <a:ext cx="7237879" cy="400110"/>
           </a:xfrm>
           <a:prstGeom prst="rect">
@@ -14105,7 +14864,7 @@
           <p:nvPr>
             <p:extLst>
               <p:ext uri="{D42A27DB-BD31-4B8C-83A1-F6EECF244321}">
-                <p14:modId xmlns:p14="http://schemas.microsoft.com/office/powerpoint/2010/main" val="3620096372"/>
+                <p14:modId xmlns:p14="http://schemas.microsoft.com/office/powerpoint/2010/main" val="1444891352"/>
               </p:ext>
             </p:extLst>
           </p:nvPr>
@@ -14151,16 +14910,18 @@
                     <a:p>
                       <a:pPr algn="ctr"/>
                       <a:r>
-                        <a:rPr lang="pt-BR" sz="1600" dirty="0"/>
+                        <a:rPr lang="pt-BR" sz="1600" dirty="0">
+                          <a:solidFill>
+                            <a:schemeClr val="bg1"/>
+                          </a:solidFill>
+                        </a:rPr>
                         <a:t>Tabela de Precedências</a:t>
                       </a:r>
                     </a:p>
                   </a:txBody>
                   <a:tcPr anchor="ctr">
                     <a:solidFill>
-                      <a:schemeClr val="accent3">
-                        <a:lumMod val="75000"/>
-                      </a:schemeClr>
+                      <a:schemeClr val="accent3"/>
                     </a:solidFill>
                   </a:tcPr>
                 </a:tc>
@@ -14199,7 +14960,11 @@
                     <a:p>
                       <a:pPr algn="ctr"/>
                       <a:r>
-                        <a:rPr lang="pt-BR" sz="1400" dirty="0"/>
+                        <a:rPr lang="pt-BR" sz="1400" dirty="0">
+                          <a:solidFill>
+                            <a:schemeClr val="bg1"/>
+                          </a:solidFill>
+                        </a:rPr>
                         <a:t>Símbolo</a:t>
                       </a:r>
                     </a:p>
@@ -14207,7 +14972,7 @@
                   <a:tcPr anchor="ctr">
                     <a:solidFill>
                       <a:schemeClr val="accent3">
-                        <a:lumMod val="50000"/>
+                        <a:lumMod val="75000"/>
                       </a:schemeClr>
                     </a:solidFill>
                   </a:tcPr>
@@ -14219,7 +14984,11 @@
                     <a:p>
                       <a:pPr algn="ctr"/>
                       <a:r>
-                        <a:rPr lang="pt-BR" sz="1400" dirty="0"/>
+                        <a:rPr lang="pt-BR" sz="1400" dirty="0">
+                          <a:solidFill>
+                            <a:schemeClr val="bg1"/>
+                          </a:solidFill>
+                        </a:rPr>
                         <a:t>Significado</a:t>
                       </a:r>
                     </a:p>
@@ -14227,7 +14996,7 @@
                   <a:tcPr anchor="ctr">
                     <a:solidFill>
                       <a:schemeClr val="accent3">
-                        <a:lumMod val="50000"/>
+                        <a:lumMod val="75000"/>
                       </a:schemeClr>
                     </a:solidFill>
                   </a:tcPr>
@@ -14239,7 +15008,11 @@
                     <a:p>
                       <a:pPr algn="ctr"/>
                       <a:r>
-                        <a:rPr lang="pt-BR" sz="1400" dirty="0"/>
+                        <a:rPr lang="pt-BR" sz="1400" dirty="0">
+                          <a:solidFill>
+                            <a:schemeClr val="bg1"/>
+                          </a:solidFill>
+                        </a:rPr>
                         <a:t>Associatividade</a:t>
                       </a:r>
                     </a:p>
@@ -14247,7 +15020,7 @@
                   <a:tcPr anchor="ctr">
                     <a:solidFill>
                       <a:schemeClr val="accent3">
-                        <a:lumMod val="50000"/>
+                        <a:lumMod val="75000"/>
                       </a:schemeClr>
                     </a:solidFill>
                   </a:tcPr>
@@ -14989,7 +15762,9 @@
           </a:solidFill>
           <a:ln>
             <a:solidFill>
-              <a:schemeClr val="accent3"/>
+              <a:schemeClr val="accent3">
+                <a:lumMod val="75000"/>
+              </a:schemeClr>
             </a:solidFill>
           </a:ln>
         </p:spPr>
@@ -15015,7 +15790,11 @@
           <a:p>
             <a:pPr algn="ctr"/>
             <a:r>
-              <a:rPr lang="pt-BR" sz="1400" dirty="0"/>
+              <a:rPr lang="pt-BR" sz="1400" b="1" dirty="0">
+                <a:solidFill>
+                  <a:schemeClr val="bg1"/>
+                </a:solidFill>
+              </a:rPr>
               <a:t>Aritméticos</a:t>
             </a:r>
           </a:p>
@@ -15048,7 +15827,9 @@
           </a:solidFill>
           <a:ln>
             <a:solidFill>
-              <a:schemeClr val="accent3"/>
+              <a:schemeClr val="accent3">
+                <a:lumMod val="75000"/>
+              </a:schemeClr>
             </a:solidFill>
           </a:ln>
         </p:spPr>
@@ -15074,7 +15855,11 @@
           <a:p>
             <a:pPr algn="ctr"/>
             <a:r>
-              <a:rPr lang="pt-BR" sz="1400" dirty="0"/>
+              <a:rPr lang="pt-BR" sz="1400" b="1" dirty="0">
+                <a:solidFill>
+                  <a:schemeClr val="bg1"/>
+                </a:solidFill>
+              </a:rPr>
               <a:t>Relacionais</a:t>
             </a:r>
           </a:p>
@@ -15809,7 +16594,14 @@
             </a:r>
             <a:r>
               <a:rPr lang="pt-BR" dirty="0"/>
-              <a:t>, de acordo com a tabela verdade abaixo:</a:t>
+              <a:t>, de acordo com a </a:t>
+            </a:r>
+            <a:br>
+              <a:rPr lang="pt-BR" dirty="0"/>
+            </a:br>
+            <a:r>
+              <a:rPr lang="pt-BR" dirty="0"/>
+              <a:t>tabela verdade abaixo:</a:t>
             </a:r>
           </a:p>
           <a:p>
@@ -17099,7 +17891,14 @@
             </a:r>
             <a:r>
               <a:rPr lang="pt-BR" dirty="0"/>
-              <a:t>, ou seja, qualquer mudança feita do lado esquerdo ocorre antes da avaliação da expressão do lado direito</a:t>
+              <a:t>, ou seja, qualquer mudança feita do lado esquerdo ocorre antes da avaliação </a:t>
+            </a:r>
+            <a:br>
+              <a:rPr lang="pt-BR" dirty="0"/>
+            </a:br>
+            <a:r>
+              <a:rPr lang="pt-BR" dirty="0"/>
+              <a:t>da expressão do lado direito</a:t>
             </a:r>
           </a:p>
           <a:p>
@@ -17152,7 +17951,14 @@
             </a:r>
             <a:r>
               <a:rPr lang="pt-BR" dirty="0"/>
-              <a:t> no momento da comparação com </a:t>
+              <a:t> </a:t>
+            </a:r>
+            <a:br>
+              <a:rPr lang="pt-BR" dirty="0"/>
+            </a:br>
+            <a:r>
+              <a:rPr lang="pt-BR" dirty="0"/>
+              <a:t>no momento da comparação com </a:t>
             </a:r>
             <a:r>
               <a:rPr lang="pt-BR" sz="2400" dirty="0">
@@ -17222,11 +18028,7 @@
             </a:r>
             <a:r>
               <a:rPr lang="pt-BR" sz="2000" dirty="0"/>
-              <a:t>|</a:t>
-            </a:r>
-            <a:r>
-              <a:rPr lang="pt-BR" sz="2000" dirty="0" err="1"/>
-              <a:t>|</a:t>
+              <a:t>||</a:t>
             </a:r>
             <a:r>
               <a:rPr lang="pt-BR" sz="2000" dirty="0">
@@ -17938,6 +18740,48 @@
                 <a:latin typeface="+mj-lt"/>
               </a:rPr>
               <a:t>}</a:t>
+            </a:r>
+          </a:p>
+        </p:txBody>
+      </p:sp>
+      <p:sp>
+        <p:nvSpPr>
+          <p:cNvPr id="5" name="CaixaDeTexto 4">
+            <a:extLst>
+              <a:ext uri="{FF2B5EF4-FFF2-40B4-BE49-F238E27FC236}">
+                <a16:creationId xmlns:a16="http://schemas.microsoft.com/office/drawing/2014/main" id="{393F1CAE-2882-40A0-B1A5-133C80274254}"/>
+              </a:ext>
+            </a:extLst>
+          </p:cNvPr>
+          <p:cNvSpPr txBox="1"/>
+          <p:nvPr/>
+        </p:nvSpPr>
+        <p:spPr>
+          <a:xfrm rot="16200000">
+            <a:off x="-714272" y="5774776"/>
+            <a:ext cx="1800200" cy="276999"/>
+          </a:xfrm>
+          <a:prstGeom prst="rect">
+            <a:avLst/>
+          </a:prstGeom>
+          <a:noFill/>
+        </p:spPr>
+        <p:txBody>
+          <a:bodyPr wrap="square" rtlCol="0">
+            <a:spAutoFit/>
+          </a:bodyPr>
+          <a:lstStyle/>
+          <a:p>
+            <a:r>
+              <a:rPr lang="pt-BR" sz="1200" dirty="0">
+                <a:solidFill>
+                  <a:schemeClr val="bg2">
+                    <a:lumMod val="50000"/>
+                  </a:schemeClr>
+                </a:solidFill>
+                <a:latin typeface="+mj-lt"/>
+              </a:rPr>
+              <a:t>// Formatando.cpp</a:t>
             </a:r>
           </a:p>
         </p:txBody>

--- a/Slides/21. Operadores Lógicos.pptx
+++ b/Slides/21. Operadores Lógicos.pptx
@@ -271,7 +271,7 @@
   <pc:docChgLst>
     <pc:chgData name="Judson Santiago" userId="ebb108da2f256286" providerId="LiveId" clId="{6A128AFC-3D7A-43C7-86DD-A99EFCAB51A1}"/>
     <pc:docChg chg="undo custSel modSld modMainMaster">
-      <pc:chgData name="Judson Santiago" userId="ebb108da2f256286" providerId="LiveId" clId="{6A128AFC-3D7A-43C7-86DD-A99EFCAB51A1}" dt="2021-05-16T00:54:38.008" v="458" actId="20577"/>
+      <pc:chgData name="Judson Santiago" userId="ebb108da2f256286" providerId="LiveId" clId="{6A128AFC-3D7A-43C7-86DD-A99EFCAB51A1}" dt="2021-05-21T00:19:21.538" v="459" actId="207"/>
       <pc:docMkLst>
         <pc:docMk/>
       </pc:docMkLst>
@@ -332,6 +332,21 @@
             <pc:docMk/>
             <pc:sldMk cId="0" sldId="279"/>
             <ac:spMk id="5" creationId="{393F1CAE-2882-40A0-B1A5-133C80274254}"/>
+          </ac:spMkLst>
+        </pc:spChg>
+      </pc:sldChg>
+      <pc:sldChg chg="modSp mod">
+        <pc:chgData name="Judson Santiago" userId="ebb108da2f256286" providerId="LiveId" clId="{6A128AFC-3D7A-43C7-86DD-A99EFCAB51A1}" dt="2021-05-21T00:19:21.538" v="459" actId="207"/>
+        <pc:sldMkLst>
+          <pc:docMk/>
+          <pc:sldMk cId="0" sldId="280"/>
+        </pc:sldMkLst>
+        <pc:spChg chg="mod">
+          <ac:chgData name="Judson Santiago" userId="ebb108da2f256286" providerId="LiveId" clId="{6A128AFC-3D7A-43C7-86DD-A99EFCAB51A1}" dt="2021-05-21T00:19:21.538" v="459" actId="207"/>
+          <ac:spMkLst>
+            <pc:docMk/>
+            <pc:sldMk cId="0" sldId="280"/>
+            <ac:spMk id="4" creationId="{00000000-0000-0000-0000-000000000000}"/>
           </ac:spMkLst>
         </pc:spChg>
       </pc:sldChg>
@@ -1282,7 +1297,7 @@
             <a:fld id="{E2EA7AF6-8A29-42EE-9321-4472A871EC99}" type="datetimeFigureOut">
               <a:rPr lang="pt-BR" smtClean="0"/>
               <a:pPr/>
-              <a:t>15/05/2021</a:t>
+              <a:t>20/05/2021</a:t>
             </a:fld>
             <a:endParaRPr lang="pt-BR"/>
           </a:p>
@@ -2352,7 +2367,7 @@
             <a:fld id="{D4BF4B58-A8DD-49CC-8B87-3205B550A53B}" type="datetimeFigureOut">
               <a:rPr lang="pt-BR" smtClean="0"/>
               <a:pPr/>
-              <a:t>15/05/2021</a:t>
+              <a:t>20/05/2021</a:t>
             </a:fld>
             <a:endParaRPr lang="pt-BR"/>
           </a:p>
@@ -2907,7 +2922,7 @@
             <a:fld id="{D4BF4B58-A8DD-49CC-8B87-3205B550A53B}" type="datetimeFigureOut">
               <a:rPr lang="pt-BR" smtClean="0"/>
               <a:pPr/>
-              <a:t>15/05/2021</a:t>
+              <a:t>20/05/2021</a:t>
             </a:fld>
             <a:endParaRPr lang="pt-BR"/>
           </a:p>
@@ -3084,7 +3099,7 @@
             <a:fld id="{D4BF4B58-A8DD-49CC-8B87-3205B550A53B}" type="datetimeFigureOut">
               <a:rPr lang="pt-BR" smtClean="0"/>
               <a:pPr/>
-              <a:t>15/05/2021</a:t>
+              <a:t>20/05/2021</a:t>
             </a:fld>
             <a:endParaRPr lang="pt-BR"/>
           </a:p>
@@ -3251,7 +3266,7 @@
             <a:fld id="{D4BF4B58-A8DD-49CC-8B87-3205B550A53B}" type="datetimeFigureOut">
               <a:rPr lang="pt-BR" smtClean="0"/>
               <a:pPr/>
-              <a:t>15/05/2021</a:t>
+              <a:t>20/05/2021</a:t>
             </a:fld>
             <a:endParaRPr lang="pt-BR"/>
           </a:p>
@@ -4700,7 +4715,7 @@
             <a:fld id="{D4BF4B58-A8DD-49CC-8B87-3205B550A53B}" type="datetimeFigureOut">
               <a:rPr lang="pt-BR" smtClean="0"/>
               <a:pPr/>
-              <a:t>15/05/2021</a:t>
+              <a:t>20/05/2021</a:t>
             </a:fld>
             <a:endParaRPr lang="pt-BR"/>
           </a:p>
@@ -5282,7 +5297,7 @@
             <a:fld id="{D4BF4B58-A8DD-49CC-8B87-3205B550A53B}" type="datetimeFigureOut">
               <a:rPr lang="pt-BR" smtClean="0"/>
               <a:pPr/>
-              <a:t>15/05/2021</a:t>
+              <a:t>20/05/2021</a:t>
             </a:fld>
             <a:endParaRPr lang="pt-BR"/>
           </a:p>
@@ -5713,7 +5728,7 @@
             <a:fld id="{D4BF4B58-A8DD-49CC-8B87-3205B550A53B}" type="datetimeFigureOut">
               <a:rPr lang="pt-BR" smtClean="0"/>
               <a:pPr/>
-              <a:t>15/05/2021</a:t>
+              <a:t>20/05/2021</a:t>
             </a:fld>
             <a:endParaRPr lang="pt-BR"/>
           </a:p>
@@ -6252,7 +6267,7 @@
             <a:fld id="{D4BF4B58-A8DD-49CC-8B87-3205B550A53B}" type="datetimeFigureOut">
               <a:rPr lang="pt-BR" smtClean="0"/>
               <a:pPr/>
-              <a:t>15/05/2021</a:t>
+              <a:t>20/05/2021</a:t>
             </a:fld>
             <a:endParaRPr lang="pt-BR"/>
           </a:p>
@@ -6344,7 +6359,7 @@
             <a:fld id="{D4BF4B58-A8DD-49CC-8B87-3205B550A53B}" type="datetimeFigureOut">
               <a:rPr lang="pt-BR" smtClean="0"/>
               <a:pPr/>
-              <a:t>15/05/2021</a:t>
+              <a:t>20/05/2021</a:t>
             </a:fld>
             <a:endParaRPr lang="pt-BR"/>
           </a:p>
@@ -6594,7 +6609,7 @@
             <a:fld id="{D4BF4B58-A8DD-49CC-8B87-3205B550A53B}" type="datetimeFigureOut">
               <a:rPr lang="pt-BR" smtClean="0"/>
               <a:pPr/>
-              <a:t>15/05/2021</a:t>
+              <a:t>20/05/2021</a:t>
             </a:fld>
             <a:endParaRPr lang="pt-BR"/>
           </a:p>
@@ -7309,7 +7324,7 @@
             <a:fld id="{D4BF4B58-A8DD-49CC-8B87-3205B550A53B}" type="datetimeFigureOut">
               <a:rPr lang="pt-BR" smtClean="0"/>
               <a:pPr/>
-              <a:t>15/05/2021</a:t>
+              <a:t>20/05/2021</a:t>
             </a:fld>
             <a:endParaRPr lang="pt-BR"/>
           </a:p>
@@ -7590,7 +7605,7 @@
             <a:fld id="{D4BF4B58-A8DD-49CC-8B87-3205B550A53B}" type="datetimeFigureOut">
               <a:rPr lang="pt-BR" smtClean="0"/>
               <a:pPr/>
-              <a:t>15/05/2021</a:t>
+              <a:t>20/05/2021</a:t>
             </a:fld>
             <a:endParaRPr lang="pt-BR"/>
           </a:p>
@@ -18979,7 +18994,10 @@
             <a:r>
               <a:rPr lang="pt-BR" b="1" dirty="0">
                 <a:solidFill>
-                  <a:schemeClr val="accent3"/>
+                  <a:schemeClr val="accent3">
+                    <a:lumMod val="60000"/>
+                    <a:lumOff val="40000"/>
+                  </a:schemeClr>
                 </a:solidFill>
                 <a:latin typeface="+mj-lt"/>
               </a:rPr>
